--- a/lec/anninbon12.pptx
+++ b/lec/anninbon12.pptx
@@ -5,10 +5,10 @@
     <p:sldMasterId id="2147483706" r:id="rId1"/>
   </p:sldMasterIdLst>
   <p:notesMasterIdLst>
-    <p:notesMasterId r:id="rId22"/>
+    <p:notesMasterId r:id="rId27"/>
   </p:notesMasterIdLst>
   <p:handoutMasterIdLst>
-    <p:handoutMasterId r:id="rId23"/>
+    <p:handoutMasterId r:id="rId28"/>
   </p:handoutMasterIdLst>
   <p:sldIdLst>
     <p:sldId id="552" r:id="rId2"/>
@@ -31,6 +31,11 @@
     <p:sldId id="684" r:id="rId19"/>
     <p:sldId id="685" r:id="rId20"/>
     <p:sldId id="686" r:id="rId21"/>
+    <p:sldId id="687" r:id="rId22"/>
+    <p:sldId id="688" r:id="rId23"/>
+    <p:sldId id="689" r:id="rId24"/>
+    <p:sldId id="690" r:id="rId25"/>
+    <p:sldId id="691" r:id="rId26"/>
   </p:sldIdLst>
   <p:sldSz cx="9144000" cy="6858000" type="screen4x3"/>
   <p:notesSz cx="7099300" cy="10234613"/>
@@ -184,6 +189,11 @@
             <p14:sldId id="684"/>
             <p14:sldId id="685"/>
             <p14:sldId id="686"/>
+            <p14:sldId id="687"/>
+            <p14:sldId id="688"/>
+            <p14:sldId id="689"/>
+            <p14:sldId id="690"/>
+            <p14:sldId id="691"/>
           </p14:sldIdLst>
         </p14:section>
       </p14:sectionLst>
@@ -1488,7 +1498,7 @@
             </a:fld>
             <a:r>
               <a:rPr lang="en-US" altLang="ja-JP"/>
-              <a:t> / 24</a:t>
+              <a:t> / 25</a:t>
             </a:r>
           </a:p>
         </p:txBody>
@@ -2334,7 +2344,7 @@
           <a:p>
             <a:r>
               <a:rPr lang="ja-JP" altLang="en-US"/>
-              <a:t>暗認本読書</a:t>
+              <a:t>暗認本読書会</a:t>
             </a:r>
             <a:r>
               <a:rPr lang="en-US" altLang="ja-JP"/>
@@ -2350,6 +2360,10 @@
             <a:r>
               <a:rPr lang="ja-JP" altLang="en-US" sz="2400"/>
               <a:t>量子コンピュータ</a:t>
+            </a:r>
+            <a:r>
+              <a:rPr lang="en-US" altLang="ja-JP" sz="2400"/>
+              <a:t>, PQC</a:t>
             </a:r>
             <a:endParaRPr lang="ja-JP" altLang="en-US"/>
           </a:p>
@@ -2741,48 +2755,6 @@
       </mc:AlternateContent>
       <p:sp>
         <p:nvSpPr>
-          <p:cNvPr id="3" name="スライド番号プレースホルダー 2">
-            <a:extLst>
-              <a:ext uri="{FF2B5EF4-FFF2-40B4-BE49-F238E27FC236}">
-                <a16:creationId xmlns:a16="http://schemas.microsoft.com/office/drawing/2014/main" id="{2E13DACC-C46F-40AF-9568-B0576CF88490}"/>
-              </a:ext>
-            </a:extLst>
-          </p:cNvPr>
-          <p:cNvSpPr>
-            <a:spLocks noGrp="1"/>
-          </p:cNvSpPr>
-          <p:nvPr>
-            <p:ph type="sldNum" sz="quarter" idx="12"/>
-          </p:nvPr>
-        </p:nvSpPr>
-        <p:spPr/>
-        <p:txBody>
-          <a:bodyPr/>
-          <a:lstStyle/>
-          <a:p>
-            <a:pPr>
-              <a:defRPr/>
-            </a:pPr>
-            <a:r>
-              <a:rPr lang="en-US" altLang="ja-JP"/>
-              <a:t>    </a:t>
-            </a:r>
-            <a:fld id="{B2782DEB-472A-4FE5-AC34-C17109CF5A91}" type="slidenum">
-              <a:rPr lang="en-US" altLang="ja-JP" smtClean="0"/>
-              <a:pPr>
-                <a:defRPr/>
-              </a:pPr>
-              <a:t>10</a:t>
-            </a:fld>
-            <a:r>
-              <a:rPr lang="en-US" altLang="ja-JP"/>
-              <a:t> / 24</a:t>
-            </a:r>
-          </a:p>
-        </p:txBody>
-      </p:sp>
-      <p:sp>
-        <p:nvSpPr>
           <p:cNvPr id="4" name="タイトル 3">
             <a:extLst>
               <a:ext uri="{FF2B5EF4-FFF2-40B4-BE49-F238E27FC236}">
@@ -2805,6 +2777,48 @@
             <a:r>
               <a:rPr kumimoji="1" lang="ja-JP" altLang="en-US"/>
               <a:t>量子コンピュータ</a:t>
+            </a:r>
+          </a:p>
+        </p:txBody>
+      </p:sp>
+      <p:sp>
+        <p:nvSpPr>
+          <p:cNvPr id="5" name="スライド番号プレースホルダー 4">
+            <a:extLst>
+              <a:ext uri="{FF2B5EF4-FFF2-40B4-BE49-F238E27FC236}">
+                <a16:creationId xmlns:a16="http://schemas.microsoft.com/office/drawing/2014/main" id="{5AED7E26-F533-4684-8A5A-ACBB1902C5CE}"/>
+              </a:ext>
+            </a:extLst>
+          </p:cNvPr>
+          <p:cNvSpPr>
+            <a:spLocks noGrp="1"/>
+          </p:cNvSpPr>
+          <p:nvPr>
+            <p:ph type="sldNum" sz="quarter" idx="12"/>
+          </p:nvPr>
+        </p:nvSpPr>
+        <p:spPr/>
+        <p:txBody>
+          <a:bodyPr/>
+          <a:lstStyle/>
+          <a:p>
+            <a:pPr>
+              <a:defRPr/>
+            </a:pPr>
+            <a:r>
+              <a:rPr lang="en-US" altLang="ja-JP"/>
+              <a:t>    </a:t>
+            </a:r>
+            <a:fld id="{B2782DEB-472A-4FE5-AC34-C17109CF5A91}" type="slidenum">
+              <a:rPr lang="en-US" altLang="ja-JP" smtClean="0"/>
+              <a:pPr>
+                <a:defRPr/>
+              </a:pPr>
+              <a:t>10</a:t>
+            </a:fld>
+            <a:r>
+              <a:rPr lang="en-US" altLang="ja-JP"/>
+              <a:t> / 25</a:t>
             </a:r>
           </a:p>
         </p:txBody>
@@ -3469,48 +3483,6 @@
       </mc:AlternateContent>
       <p:sp>
         <p:nvSpPr>
-          <p:cNvPr id="3" name="スライド番号プレースホルダー 2">
-            <a:extLst>
-              <a:ext uri="{FF2B5EF4-FFF2-40B4-BE49-F238E27FC236}">
-                <a16:creationId xmlns:a16="http://schemas.microsoft.com/office/drawing/2014/main" id="{2E13DACC-C46F-40AF-9568-B0576CF88490}"/>
-              </a:ext>
-            </a:extLst>
-          </p:cNvPr>
-          <p:cNvSpPr>
-            <a:spLocks noGrp="1"/>
-          </p:cNvSpPr>
-          <p:nvPr>
-            <p:ph type="sldNum" sz="quarter" idx="12"/>
-          </p:nvPr>
-        </p:nvSpPr>
-        <p:spPr/>
-        <p:txBody>
-          <a:bodyPr/>
-          <a:lstStyle/>
-          <a:p>
-            <a:pPr>
-              <a:defRPr/>
-            </a:pPr>
-            <a:r>
-              <a:rPr lang="en-US" altLang="ja-JP"/>
-              <a:t>    </a:t>
-            </a:r>
-            <a:fld id="{B2782DEB-472A-4FE5-AC34-C17109CF5A91}" type="slidenum">
-              <a:rPr lang="en-US" altLang="ja-JP" smtClean="0"/>
-              <a:pPr>
-                <a:defRPr/>
-              </a:pPr>
-              <a:t>11</a:t>
-            </a:fld>
-            <a:r>
-              <a:rPr lang="en-US" altLang="ja-JP"/>
-              <a:t> / 24</a:t>
-            </a:r>
-          </a:p>
-        </p:txBody>
-      </p:sp>
-      <p:sp>
-        <p:nvSpPr>
           <p:cNvPr id="4" name="タイトル 3">
             <a:extLst>
               <a:ext uri="{FF2B5EF4-FFF2-40B4-BE49-F238E27FC236}">
@@ -3533,6 +3505,48 @@
             <a:r>
               <a:rPr kumimoji="1" lang="ja-JP" altLang="en-US"/>
               <a:t>量子ビット</a:t>
+            </a:r>
+          </a:p>
+        </p:txBody>
+      </p:sp>
+      <p:sp>
+        <p:nvSpPr>
+          <p:cNvPr id="5" name="スライド番号プレースホルダー 4">
+            <a:extLst>
+              <a:ext uri="{FF2B5EF4-FFF2-40B4-BE49-F238E27FC236}">
+                <a16:creationId xmlns:a16="http://schemas.microsoft.com/office/drawing/2014/main" id="{CCB812F6-8ED1-48C5-8EF1-0A65743D8C5D}"/>
+              </a:ext>
+            </a:extLst>
+          </p:cNvPr>
+          <p:cNvSpPr>
+            <a:spLocks noGrp="1"/>
+          </p:cNvSpPr>
+          <p:nvPr>
+            <p:ph type="sldNum" sz="quarter" idx="12"/>
+          </p:nvPr>
+        </p:nvSpPr>
+        <p:spPr/>
+        <p:txBody>
+          <a:bodyPr/>
+          <a:lstStyle/>
+          <a:p>
+            <a:pPr>
+              <a:defRPr/>
+            </a:pPr>
+            <a:r>
+              <a:rPr lang="en-US" altLang="ja-JP"/>
+              <a:t>    </a:t>
+            </a:r>
+            <a:fld id="{B2782DEB-472A-4FE5-AC34-C17109CF5A91}" type="slidenum">
+              <a:rPr lang="en-US" altLang="ja-JP" smtClean="0"/>
+              <a:pPr>
+                <a:defRPr/>
+              </a:pPr>
+              <a:t>11</a:t>
+            </a:fld>
+            <a:r>
+              <a:rPr lang="en-US" altLang="ja-JP"/>
+              <a:t> / 25</a:t>
             </a:r>
           </a:p>
         </p:txBody>
@@ -4151,48 +4165,6 @@
       </mc:AlternateContent>
       <p:sp>
         <p:nvSpPr>
-          <p:cNvPr id="3" name="スライド番号プレースホルダー 2">
-            <a:extLst>
-              <a:ext uri="{FF2B5EF4-FFF2-40B4-BE49-F238E27FC236}">
-                <a16:creationId xmlns:a16="http://schemas.microsoft.com/office/drawing/2014/main" id="{CB7ADA60-46F0-4958-8A4D-17E1EB14CEF7}"/>
-              </a:ext>
-            </a:extLst>
-          </p:cNvPr>
-          <p:cNvSpPr>
-            <a:spLocks noGrp="1"/>
-          </p:cNvSpPr>
-          <p:nvPr>
-            <p:ph type="sldNum" sz="quarter" idx="12"/>
-          </p:nvPr>
-        </p:nvSpPr>
-        <p:spPr/>
-        <p:txBody>
-          <a:bodyPr/>
-          <a:lstStyle/>
-          <a:p>
-            <a:pPr>
-              <a:defRPr/>
-            </a:pPr>
-            <a:r>
-              <a:rPr lang="en-US" altLang="ja-JP"/>
-              <a:t>    </a:t>
-            </a:r>
-            <a:fld id="{B2782DEB-472A-4FE5-AC34-C17109CF5A91}" type="slidenum">
-              <a:rPr lang="en-US" altLang="ja-JP" smtClean="0"/>
-              <a:pPr>
-                <a:defRPr/>
-              </a:pPr>
-              <a:t>12</a:t>
-            </a:fld>
-            <a:r>
-              <a:rPr lang="en-US" altLang="ja-JP"/>
-              <a:t> / 24</a:t>
-            </a:r>
-          </a:p>
-        </p:txBody>
-      </p:sp>
-      <p:sp>
-        <p:nvSpPr>
           <p:cNvPr id="4" name="タイトル 3">
             <a:extLst>
               <a:ext uri="{FF2B5EF4-FFF2-40B4-BE49-F238E27FC236}">
@@ -4215,6 +4187,48 @@
             <a:r>
               <a:rPr kumimoji="1" lang="ja-JP" altLang="en-US"/>
               <a:t>量子ゲート</a:t>
+            </a:r>
+          </a:p>
+        </p:txBody>
+      </p:sp>
+      <p:sp>
+        <p:nvSpPr>
+          <p:cNvPr id="5" name="スライド番号プレースホルダー 4">
+            <a:extLst>
+              <a:ext uri="{FF2B5EF4-FFF2-40B4-BE49-F238E27FC236}">
+                <a16:creationId xmlns:a16="http://schemas.microsoft.com/office/drawing/2014/main" id="{2EA1BEC8-B280-456D-A89B-2A7B8E21906A}"/>
+              </a:ext>
+            </a:extLst>
+          </p:cNvPr>
+          <p:cNvSpPr>
+            <a:spLocks noGrp="1"/>
+          </p:cNvSpPr>
+          <p:nvPr>
+            <p:ph type="sldNum" sz="quarter" idx="12"/>
+          </p:nvPr>
+        </p:nvSpPr>
+        <p:spPr/>
+        <p:txBody>
+          <a:bodyPr/>
+          <a:lstStyle/>
+          <a:p>
+            <a:pPr>
+              <a:defRPr/>
+            </a:pPr>
+            <a:r>
+              <a:rPr lang="en-US" altLang="ja-JP"/>
+              <a:t>    </a:t>
+            </a:r>
+            <a:fld id="{B2782DEB-472A-4FE5-AC34-C17109CF5A91}" type="slidenum">
+              <a:rPr lang="en-US" altLang="ja-JP" smtClean="0"/>
+              <a:pPr>
+                <a:defRPr/>
+              </a:pPr>
+              <a:t>12</a:t>
+            </a:fld>
+            <a:r>
+              <a:rPr lang="en-US" altLang="ja-JP"/>
+              <a:t> / 25</a:t>
             </a:r>
           </a:p>
         </p:txBody>
@@ -5759,48 +5773,6 @@
       </mc:AlternateContent>
       <p:sp>
         <p:nvSpPr>
-          <p:cNvPr id="3" name="スライド番号プレースホルダー 2">
-            <a:extLst>
-              <a:ext uri="{FF2B5EF4-FFF2-40B4-BE49-F238E27FC236}">
-                <a16:creationId xmlns:a16="http://schemas.microsoft.com/office/drawing/2014/main" id="{BBB40285-C8AF-4F5D-8E3E-C50B58DEA79D}"/>
-              </a:ext>
-            </a:extLst>
-          </p:cNvPr>
-          <p:cNvSpPr>
-            <a:spLocks noGrp="1"/>
-          </p:cNvSpPr>
-          <p:nvPr>
-            <p:ph type="sldNum" sz="quarter" idx="12"/>
-          </p:nvPr>
-        </p:nvSpPr>
-        <p:spPr/>
-        <p:txBody>
-          <a:bodyPr/>
-          <a:lstStyle/>
-          <a:p>
-            <a:pPr>
-              <a:defRPr/>
-            </a:pPr>
-            <a:r>
-              <a:rPr lang="en-US" altLang="ja-JP"/>
-              <a:t>    </a:t>
-            </a:r>
-            <a:fld id="{B2782DEB-472A-4FE5-AC34-C17109CF5A91}" type="slidenum">
-              <a:rPr lang="en-US" altLang="ja-JP" smtClean="0"/>
-              <a:pPr>
-                <a:defRPr/>
-              </a:pPr>
-              <a:t>13</a:t>
-            </a:fld>
-            <a:r>
-              <a:rPr lang="en-US" altLang="ja-JP"/>
-              <a:t> / 24</a:t>
-            </a:r>
-          </a:p>
-        </p:txBody>
-      </p:sp>
-      <p:sp>
-        <p:nvSpPr>
           <p:cNvPr id="4" name="タイトル 3">
             <a:extLst>
               <a:ext uri="{FF2B5EF4-FFF2-40B4-BE49-F238E27FC236}">
@@ -5829,6 +5801,48 @@
               <a:t>の表記法</a:t>
             </a:r>
             <a:endParaRPr kumimoji="1" lang="ja-JP" altLang="en-US"/>
+          </a:p>
+        </p:txBody>
+      </p:sp>
+      <p:sp>
+        <p:nvSpPr>
+          <p:cNvPr id="5" name="スライド番号プレースホルダー 4">
+            <a:extLst>
+              <a:ext uri="{FF2B5EF4-FFF2-40B4-BE49-F238E27FC236}">
+                <a16:creationId xmlns:a16="http://schemas.microsoft.com/office/drawing/2014/main" id="{66310B4E-C97B-4DF1-9128-2186545134B9}"/>
+              </a:ext>
+            </a:extLst>
+          </p:cNvPr>
+          <p:cNvSpPr>
+            <a:spLocks noGrp="1"/>
+          </p:cNvSpPr>
+          <p:nvPr>
+            <p:ph type="sldNum" sz="quarter" idx="12"/>
+          </p:nvPr>
+        </p:nvSpPr>
+        <p:spPr/>
+        <p:txBody>
+          <a:bodyPr/>
+          <a:lstStyle/>
+          <a:p>
+            <a:pPr>
+              <a:defRPr/>
+            </a:pPr>
+            <a:r>
+              <a:rPr lang="en-US" altLang="ja-JP"/>
+              <a:t>    </a:t>
+            </a:r>
+            <a:fld id="{B2782DEB-472A-4FE5-AC34-C17109CF5A91}" type="slidenum">
+              <a:rPr lang="en-US" altLang="ja-JP" smtClean="0"/>
+              <a:pPr>
+                <a:defRPr/>
+              </a:pPr>
+              <a:t>13</a:t>
+            </a:fld>
+            <a:r>
+              <a:rPr lang="en-US" altLang="ja-JP"/>
+              <a:t> / 25</a:t>
+            </a:r>
           </a:p>
         </p:txBody>
       </p:sp>
@@ -6296,48 +6310,6 @@
           </p:sp>
         </mc:Fallback>
       </mc:AlternateContent>
-      <p:sp>
-        <p:nvSpPr>
-          <p:cNvPr id="3" name="スライド番号プレースホルダー 2">
-            <a:extLst>
-              <a:ext uri="{FF2B5EF4-FFF2-40B4-BE49-F238E27FC236}">
-                <a16:creationId xmlns:a16="http://schemas.microsoft.com/office/drawing/2014/main" id="{EA5183CC-DCEE-4B26-ADAE-EDA59BCE44E6}"/>
-              </a:ext>
-            </a:extLst>
-          </p:cNvPr>
-          <p:cNvSpPr>
-            <a:spLocks noGrp="1"/>
-          </p:cNvSpPr>
-          <p:nvPr>
-            <p:ph type="sldNum" sz="quarter" idx="12"/>
-          </p:nvPr>
-        </p:nvSpPr>
-        <p:spPr/>
-        <p:txBody>
-          <a:bodyPr/>
-          <a:lstStyle/>
-          <a:p>
-            <a:pPr>
-              <a:defRPr/>
-            </a:pPr>
-            <a:r>
-              <a:rPr lang="en-US" altLang="ja-JP"/>
-              <a:t>    </a:t>
-            </a:r>
-            <a:fld id="{B2782DEB-472A-4FE5-AC34-C17109CF5A91}" type="slidenum">
-              <a:rPr lang="en-US" altLang="ja-JP" smtClean="0"/>
-              <a:pPr>
-                <a:defRPr/>
-              </a:pPr>
-              <a:t>14</a:t>
-            </a:fld>
-            <a:r>
-              <a:rPr lang="en-US" altLang="ja-JP"/>
-              <a:t> / 24</a:t>
-            </a:r>
-          </a:p>
-        </p:txBody>
-      </p:sp>
       <p:sp>
         <p:nvSpPr>
           <p:cNvPr id="4" name="タイトル 3">
@@ -6442,6 +6414,48 @@
           </a:prstGeom>
         </p:spPr>
       </p:pic>
+      <p:sp>
+        <p:nvSpPr>
+          <p:cNvPr id="5" name="スライド番号プレースホルダー 4">
+            <a:extLst>
+              <a:ext uri="{FF2B5EF4-FFF2-40B4-BE49-F238E27FC236}">
+                <a16:creationId xmlns:a16="http://schemas.microsoft.com/office/drawing/2014/main" id="{62931F0E-7D7B-4617-BECA-B34D6C3F0824}"/>
+              </a:ext>
+            </a:extLst>
+          </p:cNvPr>
+          <p:cNvSpPr>
+            <a:spLocks noGrp="1"/>
+          </p:cNvSpPr>
+          <p:nvPr>
+            <p:ph type="sldNum" sz="quarter" idx="12"/>
+          </p:nvPr>
+        </p:nvSpPr>
+        <p:spPr/>
+        <p:txBody>
+          <a:bodyPr/>
+          <a:lstStyle/>
+          <a:p>
+            <a:pPr>
+              <a:defRPr/>
+            </a:pPr>
+            <a:r>
+              <a:rPr lang="en-US" altLang="ja-JP"/>
+              <a:t>    </a:t>
+            </a:r>
+            <a:fld id="{B2782DEB-472A-4FE5-AC34-C17109CF5A91}" type="slidenum">
+              <a:rPr lang="en-US" altLang="ja-JP" smtClean="0"/>
+              <a:pPr>
+                <a:defRPr/>
+              </a:pPr>
+              <a:t>14</a:t>
+            </a:fld>
+            <a:r>
+              <a:rPr lang="en-US" altLang="ja-JP"/>
+              <a:t> / 25</a:t>
+            </a:r>
+          </a:p>
+        </p:txBody>
+      </p:sp>
     </p:spTree>
     <p:extLst>
       <p:ext uri="{BB962C8B-B14F-4D97-AF65-F5344CB8AC3E}">
@@ -7529,48 +7543,6 @@
       </mc:AlternateContent>
       <p:sp>
         <p:nvSpPr>
-          <p:cNvPr id="3" name="スライド番号プレースホルダー 2">
-            <a:extLst>
-              <a:ext uri="{FF2B5EF4-FFF2-40B4-BE49-F238E27FC236}">
-                <a16:creationId xmlns:a16="http://schemas.microsoft.com/office/drawing/2014/main" id="{D2643DF7-39F2-44DC-B1E6-E98374A78966}"/>
-              </a:ext>
-            </a:extLst>
-          </p:cNvPr>
-          <p:cNvSpPr>
-            <a:spLocks noGrp="1"/>
-          </p:cNvSpPr>
-          <p:nvPr>
-            <p:ph type="sldNum" sz="quarter" idx="12"/>
-          </p:nvPr>
-        </p:nvSpPr>
-        <p:spPr/>
-        <p:txBody>
-          <a:bodyPr/>
-          <a:lstStyle/>
-          <a:p>
-            <a:pPr>
-              <a:defRPr/>
-            </a:pPr>
-            <a:r>
-              <a:rPr lang="en-US" altLang="ja-JP"/>
-              <a:t>    </a:t>
-            </a:r>
-            <a:fld id="{B2782DEB-472A-4FE5-AC34-C17109CF5A91}" type="slidenum">
-              <a:rPr lang="en-US" altLang="ja-JP" smtClean="0"/>
-              <a:pPr>
-                <a:defRPr/>
-              </a:pPr>
-              <a:t>15</a:t>
-            </a:fld>
-            <a:r>
-              <a:rPr lang="en-US" altLang="ja-JP"/>
-              <a:t> / 24</a:t>
-            </a:r>
-          </a:p>
-        </p:txBody>
-      </p:sp>
-      <p:sp>
-        <p:nvSpPr>
           <p:cNvPr id="4" name="タイトル 3">
             <a:extLst>
               <a:ext uri="{FF2B5EF4-FFF2-40B4-BE49-F238E27FC236}">
@@ -7599,6 +7571,48 @@
               <a:t>(entanglement)</a:t>
             </a:r>
             <a:endParaRPr kumimoji="1" lang="ja-JP" altLang="en-US"/>
+          </a:p>
+        </p:txBody>
+      </p:sp>
+      <p:sp>
+        <p:nvSpPr>
+          <p:cNvPr id="5" name="スライド番号プレースホルダー 4">
+            <a:extLst>
+              <a:ext uri="{FF2B5EF4-FFF2-40B4-BE49-F238E27FC236}">
+                <a16:creationId xmlns:a16="http://schemas.microsoft.com/office/drawing/2014/main" id="{1101C8A4-92DD-43FE-915B-0984A8AA3D71}"/>
+              </a:ext>
+            </a:extLst>
+          </p:cNvPr>
+          <p:cNvSpPr>
+            <a:spLocks noGrp="1"/>
+          </p:cNvSpPr>
+          <p:nvPr>
+            <p:ph type="sldNum" sz="quarter" idx="12"/>
+          </p:nvPr>
+        </p:nvSpPr>
+        <p:spPr/>
+        <p:txBody>
+          <a:bodyPr/>
+          <a:lstStyle/>
+          <a:p>
+            <a:pPr>
+              <a:defRPr/>
+            </a:pPr>
+            <a:r>
+              <a:rPr lang="en-US" altLang="ja-JP"/>
+              <a:t>    </a:t>
+            </a:r>
+            <a:fld id="{B2782DEB-472A-4FE5-AC34-C17109CF5A91}" type="slidenum">
+              <a:rPr lang="en-US" altLang="ja-JP" smtClean="0"/>
+              <a:pPr>
+                <a:defRPr/>
+              </a:pPr>
+              <a:t>15</a:t>
+            </a:fld>
+            <a:r>
+              <a:rPr lang="en-US" altLang="ja-JP"/>
+              <a:t> / 25</a:t>
+            </a:r>
           </a:p>
         </p:txBody>
       </p:sp>
@@ -7951,48 +7965,6 @@
       </mc:AlternateContent>
       <p:sp>
         <p:nvSpPr>
-          <p:cNvPr id="3" name="スライド番号プレースホルダー 2">
-            <a:extLst>
-              <a:ext uri="{FF2B5EF4-FFF2-40B4-BE49-F238E27FC236}">
-                <a16:creationId xmlns:a16="http://schemas.microsoft.com/office/drawing/2014/main" id="{971756D2-19A4-4357-B0D4-8E42688CB916}"/>
-              </a:ext>
-            </a:extLst>
-          </p:cNvPr>
-          <p:cNvSpPr>
-            <a:spLocks noGrp="1"/>
-          </p:cNvSpPr>
-          <p:nvPr>
-            <p:ph type="sldNum" sz="quarter" idx="12"/>
-          </p:nvPr>
-        </p:nvSpPr>
-        <p:spPr/>
-        <p:txBody>
-          <a:bodyPr/>
-          <a:lstStyle/>
-          <a:p>
-            <a:pPr>
-              <a:defRPr/>
-            </a:pPr>
-            <a:r>
-              <a:rPr lang="en-US" altLang="ja-JP"/>
-              <a:t>    </a:t>
-            </a:r>
-            <a:fld id="{B2782DEB-472A-4FE5-AC34-C17109CF5A91}" type="slidenum">
-              <a:rPr lang="en-US" altLang="ja-JP" smtClean="0"/>
-              <a:pPr>
-                <a:defRPr/>
-              </a:pPr>
-              <a:t>16</a:t>
-            </a:fld>
-            <a:r>
-              <a:rPr lang="en-US" altLang="ja-JP"/>
-              <a:t> / 24</a:t>
-            </a:r>
-          </a:p>
-        </p:txBody>
-      </p:sp>
-      <p:sp>
-        <p:nvSpPr>
           <p:cNvPr id="4" name="タイトル 3">
             <a:extLst>
               <a:ext uri="{FF2B5EF4-FFF2-40B4-BE49-F238E27FC236}">
@@ -8055,6 +8027,48 @@
           </a:prstGeom>
         </p:spPr>
       </p:pic>
+      <p:sp>
+        <p:nvSpPr>
+          <p:cNvPr id="5" name="スライド番号プレースホルダー 4">
+            <a:extLst>
+              <a:ext uri="{FF2B5EF4-FFF2-40B4-BE49-F238E27FC236}">
+                <a16:creationId xmlns:a16="http://schemas.microsoft.com/office/drawing/2014/main" id="{A8DDB9FA-B6E1-4B75-83B5-1FE6BB55424D}"/>
+              </a:ext>
+            </a:extLst>
+          </p:cNvPr>
+          <p:cNvSpPr>
+            <a:spLocks noGrp="1"/>
+          </p:cNvSpPr>
+          <p:nvPr>
+            <p:ph type="sldNum" sz="quarter" idx="12"/>
+          </p:nvPr>
+        </p:nvSpPr>
+        <p:spPr/>
+        <p:txBody>
+          <a:bodyPr/>
+          <a:lstStyle/>
+          <a:p>
+            <a:pPr>
+              <a:defRPr/>
+            </a:pPr>
+            <a:r>
+              <a:rPr lang="en-US" altLang="ja-JP"/>
+              <a:t>    </a:t>
+            </a:r>
+            <a:fld id="{B2782DEB-472A-4FE5-AC34-C17109CF5A91}" type="slidenum">
+              <a:rPr lang="en-US" altLang="ja-JP" smtClean="0"/>
+              <a:pPr>
+                <a:defRPr/>
+              </a:pPr>
+              <a:t>16</a:t>
+            </a:fld>
+            <a:r>
+              <a:rPr lang="en-US" altLang="ja-JP"/>
+              <a:t> / 25</a:t>
+            </a:r>
+          </a:p>
+        </p:txBody>
+      </p:sp>
     </p:spTree>
     <p:extLst>
       <p:ext uri="{BB962C8B-B14F-4D97-AF65-F5344CB8AC3E}">
@@ -8620,48 +8634,6 @@
       </mc:AlternateContent>
       <p:sp>
         <p:nvSpPr>
-          <p:cNvPr id="3" name="スライド番号プレースホルダー 2">
-            <a:extLst>
-              <a:ext uri="{FF2B5EF4-FFF2-40B4-BE49-F238E27FC236}">
-                <a16:creationId xmlns:a16="http://schemas.microsoft.com/office/drawing/2014/main" id="{27F8B585-9630-4F0E-B5CB-3C1062CD5876}"/>
-              </a:ext>
-            </a:extLst>
-          </p:cNvPr>
-          <p:cNvSpPr>
-            <a:spLocks noGrp="1"/>
-          </p:cNvSpPr>
-          <p:nvPr>
-            <p:ph type="sldNum" sz="quarter" idx="12"/>
-          </p:nvPr>
-        </p:nvSpPr>
-        <p:spPr/>
-        <p:txBody>
-          <a:bodyPr/>
-          <a:lstStyle/>
-          <a:p>
-            <a:pPr>
-              <a:defRPr/>
-            </a:pPr>
-            <a:r>
-              <a:rPr lang="en-US" altLang="ja-JP"/>
-              <a:t>    </a:t>
-            </a:r>
-            <a:fld id="{B2782DEB-472A-4FE5-AC34-C17109CF5A91}" type="slidenum">
-              <a:rPr lang="en-US" altLang="ja-JP" smtClean="0"/>
-              <a:pPr>
-                <a:defRPr/>
-              </a:pPr>
-              <a:t>17</a:t>
-            </a:fld>
-            <a:r>
-              <a:rPr lang="en-US" altLang="ja-JP"/>
-              <a:t> / 24</a:t>
-            </a:r>
-          </a:p>
-        </p:txBody>
-      </p:sp>
-      <p:sp>
-        <p:nvSpPr>
           <p:cNvPr id="4" name="タイトル 3">
             <a:extLst>
               <a:ext uri="{FF2B5EF4-FFF2-40B4-BE49-F238E27FC236}">
@@ -8688,6 +8660,48 @@
             <a:r>
               <a:rPr kumimoji="1" lang="ja-JP" altLang="en-US"/>
               <a:t>のアルゴリズム</a:t>
+            </a:r>
+          </a:p>
+        </p:txBody>
+      </p:sp>
+      <p:sp>
+        <p:nvSpPr>
+          <p:cNvPr id="5" name="スライド番号プレースホルダー 4">
+            <a:extLst>
+              <a:ext uri="{FF2B5EF4-FFF2-40B4-BE49-F238E27FC236}">
+                <a16:creationId xmlns:a16="http://schemas.microsoft.com/office/drawing/2014/main" id="{8A1CEE90-657E-4CC3-860A-EC4285ED8BE1}"/>
+              </a:ext>
+            </a:extLst>
+          </p:cNvPr>
+          <p:cNvSpPr>
+            <a:spLocks noGrp="1"/>
+          </p:cNvSpPr>
+          <p:nvPr>
+            <p:ph type="sldNum" sz="quarter" idx="12"/>
+          </p:nvPr>
+        </p:nvSpPr>
+        <p:spPr/>
+        <p:txBody>
+          <a:bodyPr/>
+          <a:lstStyle/>
+          <a:p>
+            <a:pPr>
+              <a:defRPr/>
+            </a:pPr>
+            <a:r>
+              <a:rPr lang="en-US" altLang="ja-JP"/>
+              <a:t>    </a:t>
+            </a:r>
+            <a:fld id="{B2782DEB-472A-4FE5-AC34-C17109CF5A91}" type="slidenum">
+              <a:rPr lang="en-US" altLang="ja-JP" smtClean="0"/>
+              <a:pPr>
+                <a:defRPr/>
+              </a:pPr>
+              <a:t>17</a:t>
+            </a:fld>
+            <a:r>
+              <a:rPr lang="en-US" altLang="ja-JP"/>
+              <a:t> / 25</a:t>
             </a:r>
           </a:p>
         </p:txBody>
@@ -8876,48 +8890,6 @@
       </p:sp>
       <p:sp>
         <p:nvSpPr>
-          <p:cNvPr id="3" name="スライド番号プレースホルダー 2">
-            <a:extLst>
-              <a:ext uri="{FF2B5EF4-FFF2-40B4-BE49-F238E27FC236}">
-                <a16:creationId xmlns:a16="http://schemas.microsoft.com/office/drawing/2014/main" id="{DCCA8181-C81D-48ED-8598-8756BCC3AE5A}"/>
-              </a:ext>
-            </a:extLst>
-          </p:cNvPr>
-          <p:cNvSpPr>
-            <a:spLocks noGrp="1"/>
-          </p:cNvSpPr>
-          <p:nvPr>
-            <p:ph type="sldNum" sz="quarter" idx="12"/>
-          </p:nvPr>
-        </p:nvSpPr>
-        <p:spPr/>
-        <p:txBody>
-          <a:bodyPr/>
-          <a:lstStyle/>
-          <a:p>
-            <a:pPr>
-              <a:defRPr/>
-            </a:pPr>
-            <a:r>
-              <a:rPr lang="en-US" altLang="ja-JP"/>
-              <a:t>    </a:t>
-            </a:r>
-            <a:fld id="{B2782DEB-472A-4FE5-AC34-C17109CF5A91}" type="slidenum">
-              <a:rPr lang="en-US" altLang="ja-JP" smtClean="0"/>
-              <a:pPr>
-                <a:defRPr/>
-              </a:pPr>
-              <a:t>18</a:t>
-            </a:fld>
-            <a:r>
-              <a:rPr lang="en-US" altLang="ja-JP"/>
-              <a:t> / 24</a:t>
-            </a:r>
-          </a:p>
-        </p:txBody>
-      </p:sp>
-      <p:sp>
-        <p:nvSpPr>
           <p:cNvPr id="4" name="タイトル 3">
             <a:extLst>
               <a:ext uri="{FF2B5EF4-FFF2-40B4-BE49-F238E27FC236}">
@@ -8940,6 +8912,48 @@
             <a:r>
               <a:rPr kumimoji="1" lang="ja-JP" altLang="en-US"/>
               <a:t>量子超越</a:t>
+            </a:r>
+          </a:p>
+        </p:txBody>
+      </p:sp>
+      <p:sp>
+        <p:nvSpPr>
+          <p:cNvPr id="5" name="スライド番号プレースホルダー 4">
+            <a:extLst>
+              <a:ext uri="{FF2B5EF4-FFF2-40B4-BE49-F238E27FC236}">
+                <a16:creationId xmlns:a16="http://schemas.microsoft.com/office/drawing/2014/main" id="{093095CD-33DB-4979-9651-EC3F1B07D2EF}"/>
+              </a:ext>
+            </a:extLst>
+          </p:cNvPr>
+          <p:cNvSpPr>
+            <a:spLocks noGrp="1"/>
+          </p:cNvSpPr>
+          <p:nvPr>
+            <p:ph type="sldNum" sz="quarter" idx="12"/>
+          </p:nvPr>
+        </p:nvSpPr>
+        <p:spPr/>
+        <p:txBody>
+          <a:bodyPr/>
+          <a:lstStyle/>
+          <a:p>
+            <a:pPr>
+              <a:defRPr/>
+            </a:pPr>
+            <a:r>
+              <a:rPr lang="en-US" altLang="ja-JP"/>
+              <a:t>    </a:t>
+            </a:r>
+            <a:fld id="{B2782DEB-472A-4FE5-AC34-C17109CF5A91}" type="slidenum">
+              <a:rPr lang="en-US" altLang="ja-JP" smtClean="0"/>
+              <a:pPr>
+                <a:defRPr/>
+              </a:pPr>
+              <a:t>18</a:t>
+            </a:fld>
+            <a:r>
+              <a:rPr lang="en-US" altLang="ja-JP"/>
+              <a:t> / 25</a:t>
             </a:r>
           </a:p>
         </p:txBody>
@@ -8974,8 +8988,8 @@
           <a:chExt cx="0" cy="0"/>
         </a:xfrm>
       </p:grpSpPr>
-      <mc:AlternateContent xmlns:mc="http://schemas.openxmlformats.org/markup-compatibility/2006" xmlns:a14="http://schemas.microsoft.com/office/drawing/2010/main">
-        <mc:Choice Requires="a14">
+      <mc:AlternateContent xmlns:mc="http://schemas.openxmlformats.org/markup-compatibility/2006">
+        <mc:Choice xmlns:a14="http://schemas.microsoft.com/office/drawing/2010/main" Requires="a14">
           <p:sp>
             <p:nvSpPr>
               <p:cNvPr id="2" name="コンテンツ プレースホルダー 1">
@@ -9239,42 +9253,66 @@
                       <a:rPr lang="en-US" altLang="ja-JP" b="0" i="1" smtClean="0">
                         <a:latin typeface="Cambria Math" panose="02040503050406030204" pitchFamily="18" charset="0"/>
                       </a:rPr>
-                      <m:t>((</m:t>
-                    </m:r>
-                    <m:func>
-                      <m:funcPr>
+                      <m:t>(</m:t>
+                    </m:r>
+                    <m:sSup>
+                      <m:sSupPr>
                         <m:ctrlPr>
                           <a:rPr lang="en-US" altLang="ja-JP" b="0" i="1" smtClean="0">
                             <a:latin typeface="Cambria Math" panose="02040503050406030204" pitchFamily="18" charset="0"/>
                           </a:rPr>
                         </m:ctrlPr>
-                      </m:funcPr>
-                      <m:fName>
-                        <m:r>
-                          <m:rPr>
-                            <m:sty m:val="p"/>
-                          </m:rPr>
-                          <a:rPr lang="en-US" altLang="ja-JP" b="0" i="0" smtClean="0">
-                            <a:latin typeface="Cambria Math" panose="02040503050406030204" pitchFamily="18" charset="0"/>
-                          </a:rPr>
-                          <m:t>log</m:t>
-                        </m:r>
-                      </m:fName>
+                      </m:sSupPr>
                       <m:e>
+                        <m:d>
+                          <m:dPr>
+                            <m:ctrlPr>
+                              <a:rPr lang="en-US" altLang="ja-JP" b="0" i="1" smtClean="0">
+                                <a:latin typeface="Cambria Math" panose="02040503050406030204" pitchFamily="18" charset="0"/>
+                              </a:rPr>
+                            </m:ctrlPr>
+                          </m:dPr>
+                          <m:e>
+                            <m:func>
+                              <m:funcPr>
+                                <m:ctrlPr>
+                                  <a:rPr lang="en-US" altLang="ja-JP" b="0" i="1" smtClean="0">
+                                    <a:latin typeface="Cambria Math" panose="02040503050406030204" pitchFamily="18" charset="0"/>
+                                  </a:rPr>
+                                </m:ctrlPr>
+                              </m:funcPr>
+                              <m:fName>
+                                <m:r>
+                                  <m:rPr>
+                                    <m:sty m:val="p"/>
+                                  </m:rPr>
+                                  <a:rPr lang="en-US" altLang="ja-JP" b="0" i="0" smtClean="0">
+                                    <a:latin typeface="Cambria Math" panose="02040503050406030204" pitchFamily="18" charset="0"/>
+                                  </a:rPr>
+                                  <m:t>log</m:t>
+                                </m:r>
+                              </m:fName>
+                              <m:e>
+                                <m:r>
+                                  <a:rPr lang="en-US" altLang="ja-JP" b="0" i="1" smtClean="0">
+                                    <a:latin typeface="Cambria Math" panose="02040503050406030204" pitchFamily="18" charset="0"/>
+                                  </a:rPr>
+                                  <m:t>𝑛</m:t>
+                                </m:r>
+                              </m:e>
+                            </m:func>
+                          </m:e>
+                        </m:d>
+                      </m:e>
+                      <m:sup>
                         <m:r>
                           <a:rPr lang="en-US" altLang="ja-JP" b="0" i="1" smtClean="0">
                             <a:latin typeface="Cambria Math" panose="02040503050406030204" pitchFamily="18" charset="0"/>
                           </a:rPr>
-                          <m:t>𝑛</m:t>
+                          <m:t>3</m:t>
                         </m:r>
-                        <m:r>
-                          <a:rPr lang="en-US" altLang="ja-JP" b="0" i="1" smtClean="0">
-                            <a:latin typeface="Cambria Math" panose="02040503050406030204" pitchFamily="18" charset="0"/>
-                          </a:rPr>
-                          <m:t>)^3</m:t>
-                        </m:r>
-                      </m:e>
-                    </m:func>
+                      </m:sup>
+                    </m:sSup>
                     <m:r>
                       <a:rPr lang="en-US" altLang="ja-JP" b="0" i="1" smtClean="0">
                         <a:latin typeface="Cambria Math" panose="02040503050406030204" pitchFamily="18" charset="0"/>
@@ -9303,7 +9341,7 @@
             </p:txBody>
           </p:sp>
         </mc:Choice>
-        <mc:Fallback xmlns="">
+        <mc:Fallback>
           <p:sp>
             <p:nvSpPr>
               <p:cNvPr id="2" name="コンテンツ プレースホルダー 1">
@@ -9343,48 +9381,6 @@
           </p:sp>
         </mc:Fallback>
       </mc:AlternateContent>
-      <p:sp>
-        <p:nvSpPr>
-          <p:cNvPr id="3" name="スライド番号プレースホルダー 2">
-            <a:extLst>
-              <a:ext uri="{FF2B5EF4-FFF2-40B4-BE49-F238E27FC236}">
-                <a16:creationId xmlns:a16="http://schemas.microsoft.com/office/drawing/2014/main" id="{8B745344-6356-481B-8648-87A74E06D794}"/>
-              </a:ext>
-            </a:extLst>
-          </p:cNvPr>
-          <p:cNvSpPr>
-            <a:spLocks noGrp="1"/>
-          </p:cNvSpPr>
-          <p:nvPr>
-            <p:ph type="sldNum" sz="quarter" idx="12"/>
-          </p:nvPr>
-        </p:nvSpPr>
-        <p:spPr/>
-        <p:txBody>
-          <a:bodyPr/>
-          <a:lstStyle/>
-          <a:p>
-            <a:pPr>
-              <a:defRPr/>
-            </a:pPr>
-            <a:r>
-              <a:rPr lang="en-US" altLang="ja-JP"/>
-              <a:t>    </a:t>
-            </a:r>
-            <a:fld id="{B2782DEB-472A-4FE5-AC34-C17109CF5A91}" type="slidenum">
-              <a:rPr lang="en-US" altLang="ja-JP" smtClean="0"/>
-              <a:pPr>
-                <a:defRPr/>
-              </a:pPr>
-              <a:t>19</a:t>
-            </a:fld>
-            <a:r>
-              <a:rPr lang="en-US" altLang="ja-JP"/>
-              <a:t> / 24</a:t>
-            </a:r>
-          </a:p>
-        </p:txBody>
-      </p:sp>
       <p:sp>
         <p:nvSpPr>
           <p:cNvPr id="4" name="タイトル 3">
@@ -10289,6 +10285,48 @@
           </p:graphicFrame>
         </mc:Fallback>
       </mc:AlternateContent>
+      <p:sp>
+        <p:nvSpPr>
+          <p:cNvPr id="6" name="スライド番号プレースホルダー 5">
+            <a:extLst>
+              <a:ext uri="{FF2B5EF4-FFF2-40B4-BE49-F238E27FC236}">
+                <a16:creationId xmlns:a16="http://schemas.microsoft.com/office/drawing/2014/main" id="{2B41A1FB-0146-4F4C-9194-D17F917C41C0}"/>
+              </a:ext>
+            </a:extLst>
+          </p:cNvPr>
+          <p:cNvSpPr>
+            <a:spLocks noGrp="1"/>
+          </p:cNvSpPr>
+          <p:nvPr>
+            <p:ph type="sldNum" sz="quarter" idx="12"/>
+          </p:nvPr>
+        </p:nvSpPr>
+        <p:spPr/>
+        <p:txBody>
+          <a:bodyPr/>
+          <a:lstStyle/>
+          <a:p>
+            <a:pPr>
+              <a:defRPr/>
+            </a:pPr>
+            <a:r>
+              <a:rPr lang="en-US" altLang="ja-JP"/>
+              <a:t>    </a:t>
+            </a:r>
+            <a:fld id="{B2782DEB-472A-4FE5-AC34-C17109CF5A91}" type="slidenum">
+              <a:rPr lang="en-US" altLang="ja-JP" smtClean="0"/>
+              <a:pPr>
+                <a:defRPr/>
+              </a:pPr>
+              <a:t>19</a:t>
+            </a:fld>
+            <a:r>
+              <a:rPr lang="en-US" altLang="ja-JP"/>
+              <a:t> / 25</a:t>
+            </a:r>
+          </a:p>
+        </p:txBody>
+      </p:sp>
     </p:spTree>
     <p:extLst>
       <p:ext uri="{BB962C8B-B14F-4D97-AF65-F5344CB8AC3E}">
@@ -10596,48 +10634,6 @@
       </mc:AlternateContent>
       <p:sp>
         <p:nvSpPr>
-          <p:cNvPr id="3" name="スライド番号プレースホルダー 2">
-            <a:extLst>
-              <a:ext uri="{FF2B5EF4-FFF2-40B4-BE49-F238E27FC236}">
-                <a16:creationId xmlns:a16="http://schemas.microsoft.com/office/drawing/2014/main" id="{A124B98B-5AE4-47B8-AAF0-F31B8A372626}"/>
-              </a:ext>
-            </a:extLst>
-          </p:cNvPr>
-          <p:cNvSpPr>
-            <a:spLocks noGrp="1"/>
-          </p:cNvSpPr>
-          <p:nvPr>
-            <p:ph type="sldNum" sz="quarter" idx="12"/>
-          </p:nvPr>
-        </p:nvSpPr>
-        <p:spPr/>
-        <p:txBody>
-          <a:bodyPr/>
-          <a:lstStyle/>
-          <a:p>
-            <a:pPr>
-              <a:defRPr/>
-            </a:pPr>
-            <a:r>
-              <a:rPr lang="en-US" altLang="ja-JP"/>
-              <a:t>    </a:t>
-            </a:r>
-            <a:fld id="{B2782DEB-472A-4FE5-AC34-C17109CF5A91}" type="slidenum">
-              <a:rPr lang="en-US" altLang="ja-JP" smtClean="0"/>
-              <a:pPr>
-                <a:defRPr/>
-              </a:pPr>
-              <a:t>2</a:t>
-            </a:fld>
-            <a:r>
-              <a:rPr lang="en-US" altLang="ja-JP"/>
-              <a:t> / 24</a:t>
-            </a:r>
-          </a:p>
-        </p:txBody>
-      </p:sp>
-      <p:sp>
-        <p:nvSpPr>
           <p:cNvPr id="4" name="タイトル 3">
             <a:extLst>
               <a:ext uri="{FF2B5EF4-FFF2-40B4-BE49-F238E27FC236}">
@@ -10700,6 +10696,48 @@
           </a:prstGeom>
         </p:spPr>
       </p:pic>
+      <p:sp>
+        <p:nvSpPr>
+          <p:cNvPr id="5" name="スライド番号プレースホルダー 4">
+            <a:extLst>
+              <a:ext uri="{FF2B5EF4-FFF2-40B4-BE49-F238E27FC236}">
+                <a16:creationId xmlns:a16="http://schemas.microsoft.com/office/drawing/2014/main" id="{D4CF5C08-8FAF-4067-8CE2-7E13D0A2F6BE}"/>
+              </a:ext>
+            </a:extLst>
+          </p:cNvPr>
+          <p:cNvSpPr>
+            <a:spLocks noGrp="1"/>
+          </p:cNvSpPr>
+          <p:nvPr>
+            <p:ph type="sldNum" sz="quarter" idx="12"/>
+          </p:nvPr>
+        </p:nvSpPr>
+        <p:spPr/>
+        <p:txBody>
+          <a:bodyPr/>
+          <a:lstStyle/>
+          <a:p>
+            <a:pPr>
+              <a:defRPr/>
+            </a:pPr>
+            <a:r>
+              <a:rPr lang="en-US" altLang="ja-JP"/>
+              <a:t>    </a:t>
+            </a:r>
+            <a:fld id="{B2782DEB-472A-4FE5-AC34-C17109CF5A91}" type="slidenum">
+              <a:rPr lang="en-US" altLang="ja-JP" smtClean="0"/>
+              <a:pPr>
+                <a:defRPr/>
+              </a:pPr>
+              <a:t>2</a:t>
+            </a:fld>
+            <a:r>
+              <a:rPr lang="en-US" altLang="ja-JP"/>
+              <a:t> / 25</a:t>
+            </a:r>
+          </a:p>
+        </p:txBody>
+      </p:sp>
     </p:spTree>
     <p:extLst>
       <p:ext uri="{BB962C8B-B14F-4D97-AF65-F5344CB8AC3E}">
@@ -11067,48 +11105,6 @@
       </mc:AlternateContent>
       <p:sp>
         <p:nvSpPr>
-          <p:cNvPr id="3" name="スライド番号プレースホルダー 2">
-            <a:extLst>
-              <a:ext uri="{FF2B5EF4-FFF2-40B4-BE49-F238E27FC236}">
-                <a16:creationId xmlns:a16="http://schemas.microsoft.com/office/drawing/2014/main" id="{17BA969E-4F6E-4DAD-84A2-985EFEF91C07}"/>
-              </a:ext>
-            </a:extLst>
-          </p:cNvPr>
-          <p:cNvSpPr>
-            <a:spLocks noGrp="1"/>
-          </p:cNvSpPr>
-          <p:nvPr>
-            <p:ph type="sldNum" sz="quarter" idx="12"/>
-          </p:nvPr>
-        </p:nvSpPr>
-        <p:spPr/>
-        <p:txBody>
-          <a:bodyPr/>
-          <a:lstStyle/>
-          <a:p>
-            <a:pPr>
-              <a:defRPr/>
-            </a:pPr>
-            <a:r>
-              <a:rPr lang="en-US" altLang="ja-JP"/>
-              <a:t>    </a:t>
-            </a:r>
-            <a:fld id="{B2782DEB-472A-4FE5-AC34-C17109CF5A91}" type="slidenum">
-              <a:rPr lang="en-US" altLang="ja-JP" smtClean="0"/>
-              <a:pPr>
-                <a:defRPr/>
-              </a:pPr>
-              <a:t>20</a:t>
-            </a:fld>
-            <a:r>
-              <a:rPr lang="en-US" altLang="ja-JP"/>
-              <a:t> / 24</a:t>
-            </a:r>
-          </a:p>
-        </p:txBody>
-      </p:sp>
-      <p:sp>
-        <p:nvSpPr>
           <p:cNvPr id="4" name="タイトル 3">
             <a:extLst>
               <a:ext uri="{FF2B5EF4-FFF2-40B4-BE49-F238E27FC236}">
@@ -11140,10 +11136,2088 @@
           </a:p>
         </p:txBody>
       </p:sp>
+      <p:sp>
+        <p:nvSpPr>
+          <p:cNvPr id="5" name="スライド番号プレースホルダー 4">
+            <a:extLst>
+              <a:ext uri="{FF2B5EF4-FFF2-40B4-BE49-F238E27FC236}">
+                <a16:creationId xmlns:a16="http://schemas.microsoft.com/office/drawing/2014/main" id="{C5FFEFD3-50CD-4CF6-9C77-A1DCA9C5E818}"/>
+              </a:ext>
+            </a:extLst>
+          </p:cNvPr>
+          <p:cNvSpPr>
+            <a:spLocks noGrp="1"/>
+          </p:cNvSpPr>
+          <p:nvPr>
+            <p:ph type="sldNum" sz="quarter" idx="12"/>
+          </p:nvPr>
+        </p:nvSpPr>
+        <p:spPr/>
+        <p:txBody>
+          <a:bodyPr/>
+          <a:lstStyle/>
+          <a:p>
+            <a:pPr>
+              <a:defRPr/>
+            </a:pPr>
+            <a:r>
+              <a:rPr lang="en-US" altLang="ja-JP"/>
+              <a:t>    </a:t>
+            </a:r>
+            <a:fld id="{B2782DEB-472A-4FE5-AC34-C17109CF5A91}" type="slidenum">
+              <a:rPr lang="en-US" altLang="ja-JP" smtClean="0"/>
+              <a:pPr>
+                <a:defRPr/>
+              </a:pPr>
+              <a:t>20</a:t>
+            </a:fld>
+            <a:r>
+              <a:rPr lang="en-US" altLang="ja-JP"/>
+              <a:t> / 25</a:t>
+            </a:r>
+          </a:p>
+        </p:txBody>
+      </p:sp>
     </p:spTree>
     <p:extLst>
       <p:ext uri="{BB962C8B-B14F-4D97-AF65-F5344CB8AC3E}">
         <p14:creationId xmlns:p14="http://schemas.microsoft.com/office/powerpoint/2010/main" val="82943507"/>
+      </p:ext>
+    </p:extLst>
+  </p:cSld>
+  <p:clrMapOvr>
+    <a:masterClrMapping/>
+  </p:clrMapOvr>
+</p:sld>
+</file>
+
+<file path=ppt/slides/slide21.xml><?xml version="1.0" encoding="utf-8"?>
+<p:sld xmlns:a="http://schemas.openxmlformats.org/drawingml/2006/main" xmlns:r="http://schemas.openxmlformats.org/officeDocument/2006/relationships" xmlns:p="http://schemas.openxmlformats.org/presentationml/2006/main">
+  <p:cSld>
+    <p:spTree>
+      <p:nvGrpSpPr>
+        <p:cNvPr id="1" name=""/>
+        <p:cNvGrpSpPr/>
+        <p:nvPr/>
+      </p:nvGrpSpPr>
+      <p:grpSpPr>
+        <a:xfrm>
+          <a:off x="0" y="0"/>
+          <a:ext cx="0" cy="0"/>
+          <a:chOff x="0" y="0"/>
+          <a:chExt cx="0" cy="0"/>
+        </a:xfrm>
+      </p:grpSpPr>
+      <p:pic>
+        <p:nvPicPr>
+          <p:cNvPr id="6" name="図 5">
+            <a:extLst>
+              <a:ext uri="{FF2B5EF4-FFF2-40B4-BE49-F238E27FC236}">
+                <a16:creationId xmlns:a16="http://schemas.microsoft.com/office/drawing/2014/main" id="{CC49CC58-459D-4123-BF0D-98970B476AA0}"/>
+              </a:ext>
+            </a:extLst>
+          </p:cNvPr>
+          <p:cNvPicPr>
+            <a:picLocks noChangeAspect="1"/>
+          </p:cNvPicPr>
+          <p:nvPr/>
+        </p:nvPicPr>
+        <p:blipFill>
+          <a:blip r:embed="rId2">
+            <a:extLst>
+              <a:ext uri="{28A0092B-C50C-407E-A947-70E740481C1C}">
+                <a14:useLocalDpi xmlns:a14="http://schemas.microsoft.com/office/drawing/2010/main" val="0"/>
+              </a:ext>
+            </a:extLst>
+          </a:blip>
+          <a:stretch>
+            <a:fillRect/>
+          </a:stretch>
+        </p:blipFill>
+        <p:spPr>
+          <a:xfrm>
+            <a:off x="5076056" y="3096503"/>
+            <a:ext cx="3816424" cy="2852777"/>
+          </a:xfrm>
+          <a:prstGeom prst="rect">
+            <a:avLst/>
+          </a:prstGeom>
+        </p:spPr>
+      </p:pic>
+      <mc:AlternateContent xmlns:mc="http://schemas.openxmlformats.org/markup-compatibility/2006">
+        <mc:Choice xmlns:a14="http://schemas.microsoft.com/office/drawing/2010/main" Requires="a14">
+          <p:sp>
+            <p:nvSpPr>
+              <p:cNvPr id="2" name="コンテンツ プレースホルダー 1">
+                <a:extLst>
+                  <a:ext uri="{FF2B5EF4-FFF2-40B4-BE49-F238E27FC236}">
+                    <a16:creationId xmlns:a16="http://schemas.microsoft.com/office/drawing/2014/main" id="{3A10E0BC-1F4D-4EB7-B744-B61F4DBDC8AC}"/>
+                  </a:ext>
+                </a:extLst>
+              </p:cNvPr>
+              <p:cNvSpPr>
+                <a:spLocks noGrp="1"/>
+              </p:cNvSpPr>
+              <p:nvPr>
+                <p:ph idx="1"/>
+              </p:nvPr>
+            </p:nvSpPr>
+            <p:spPr/>
+            <p:txBody>
+              <a:bodyPr/>
+              <a:lstStyle/>
+              <a:p>
+                <a:r>
+                  <a:rPr kumimoji="1" lang="ja-JP" altLang="en-US"/>
+                  <a:t>組合せ最適化問題</a:t>
+                </a:r>
+                <a:endParaRPr kumimoji="1" lang="en-US" altLang="ja-JP"/>
+              </a:p>
+              <a:p>
+                <a:pPr lvl="1"/>
+                <a:r>
+                  <a:rPr kumimoji="1" lang="ja-JP" altLang="en-US"/>
+                  <a:t>ある多次元上の関数</a:t>
+                </a:r>
+                <a14:m>
+                  <m:oMath xmlns:m="http://schemas.openxmlformats.org/officeDocument/2006/math">
+                    <m:r>
+                      <a:rPr kumimoji="1" lang="en-US" altLang="ja-JP" b="0" i="1" smtClean="0">
+                        <a:latin typeface="Cambria Math" panose="02040503050406030204" pitchFamily="18" charset="0"/>
+                      </a:rPr>
+                      <m:t>𝑓</m:t>
+                    </m:r>
+                    <m:r>
+                      <a:rPr kumimoji="1" lang="en-US" altLang="ja-JP" b="0" i="1" smtClean="0">
+                        <a:latin typeface="Cambria Math" panose="02040503050406030204" pitchFamily="18" charset="0"/>
+                      </a:rPr>
+                      <m:t>(</m:t>
+                    </m:r>
+                    <m:r>
+                      <a:rPr kumimoji="1" lang="en-US" altLang="ja-JP" b="0" i="1" smtClean="0">
+                        <a:latin typeface="Cambria Math" panose="02040503050406030204" pitchFamily="18" charset="0"/>
+                      </a:rPr>
+                      <m:t>𝑥</m:t>
+                    </m:r>
+                    <m:r>
+                      <a:rPr kumimoji="1" lang="en-US" altLang="ja-JP" b="0" i="1" smtClean="0">
+                        <a:latin typeface="Cambria Math" panose="02040503050406030204" pitchFamily="18" charset="0"/>
+                      </a:rPr>
+                      <m:t>)</m:t>
+                    </m:r>
+                  </m:oMath>
+                </a14:m>
+                <a:r>
+                  <a:rPr kumimoji="1" lang="ja-JP" altLang="en-US"/>
+                  <a:t>の値を最小にする</a:t>
+                </a:r>
+                <a14:m>
+                  <m:oMath xmlns:m="http://schemas.openxmlformats.org/officeDocument/2006/math">
+                    <m:sSub>
+                      <m:sSubPr>
+                        <m:ctrlPr>
+                          <a:rPr kumimoji="1" lang="en-US" altLang="ja-JP" b="0" i="1" smtClean="0">
+                            <a:latin typeface="Cambria Math" panose="02040503050406030204" pitchFamily="18" charset="0"/>
+                          </a:rPr>
+                        </m:ctrlPr>
+                      </m:sSubPr>
+                      <m:e>
+                        <m:r>
+                          <a:rPr kumimoji="1" lang="en-US" altLang="ja-JP" b="0" i="1" smtClean="0">
+                            <a:latin typeface="Cambria Math" panose="02040503050406030204" pitchFamily="18" charset="0"/>
+                          </a:rPr>
+                          <m:t>𝑥</m:t>
+                        </m:r>
+                      </m:e>
+                      <m:sub>
+                        <m:r>
+                          <a:rPr kumimoji="1" lang="en-US" altLang="ja-JP" b="0" i="1" smtClean="0">
+                            <a:latin typeface="Cambria Math" panose="02040503050406030204" pitchFamily="18" charset="0"/>
+                          </a:rPr>
+                          <m:t>0</m:t>
+                        </m:r>
+                      </m:sub>
+                    </m:sSub>
+                  </m:oMath>
+                </a14:m>
+                <a:r>
+                  <a:rPr kumimoji="1" lang="ja-JP" altLang="en-US"/>
+                  <a:t>を探す問題</a:t>
+                </a:r>
+                <a:endParaRPr kumimoji="1" lang="en-US" altLang="ja-JP"/>
+              </a:p>
+              <a:p>
+                <a:pPr lvl="1"/>
+                <a:r>
+                  <a:rPr kumimoji="1" lang="ja-JP" altLang="en-US"/>
+                  <a:t>移動経路のコスト、投資リスクなどを最小にしたい問題を</a:t>
+                </a:r>
+                <a:br>
+                  <a:rPr kumimoji="1" lang="en-US" altLang="ja-JP"/>
+                </a:br>
+                <a:r>
+                  <a:rPr kumimoji="1" lang="ja-JP" altLang="en-US"/>
+                  <a:t>組合せ最適化問題に帰着</a:t>
+                </a:r>
+                <a:endParaRPr kumimoji="1" lang="en-US" altLang="ja-JP"/>
+              </a:p>
+              <a:p>
+                <a:r>
+                  <a:rPr kumimoji="1" lang="ja-JP" altLang="en-US"/>
+                  <a:t>組合せ最適化問題に特化した量子コンピュータ</a:t>
+                </a:r>
+                <a:endParaRPr kumimoji="1" lang="en-US" altLang="ja-JP"/>
+              </a:p>
+              <a:p>
+                <a:pPr lvl="1"/>
+                <a:r>
+                  <a:rPr kumimoji="1" lang="ja-JP" altLang="en-US"/>
+                  <a:t>量子揺らぎという現象を利用</a:t>
+                </a:r>
+                <a:endParaRPr kumimoji="1" lang="en-US" altLang="ja-JP"/>
+              </a:p>
+              <a:p>
+                <a:pPr lvl="1"/>
+                <a:r>
+                  <a:rPr kumimoji="1" lang="ja-JP" altLang="en-US"/>
+                  <a:t>高速に解ける</a:t>
+                </a:r>
+                <a:r>
+                  <a:rPr kumimoji="1" lang="en-US" altLang="ja-JP"/>
+                  <a:t>(</a:t>
+                </a:r>
+                <a:r>
+                  <a:rPr kumimoji="1" lang="ja-JP" altLang="en-US"/>
+                  <a:t>と期待されている</a:t>
+                </a:r>
+                <a:r>
+                  <a:rPr kumimoji="1" lang="en-US" altLang="ja-JP"/>
+                  <a:t>)</a:t>
+                </a:r>
+              </a:p>
+              <a:p>
+                <a:r>
+                  <a:rPr lang="en-US" altLang="ja-JP"/>
+                  <a:t>2011</a:t>
+                </a:r>
+                <a:r>
+                  <a:rPr lang="ja-JP" altLang="en-US"/>
+                  <a:t>年</a:t>
+                </a:r>
+                <a:r>
+                  <a:rPr lang="en-US" altLang="ja-JP"/>
+                  <a:t>D-Wave</a:t>
+                </a:r>
+                <a:r>
+                  <a:rPr lang="ja-JP" altLang="en-US"/>
+                  <a:t>が初の商用化</a:t>
+                </a:r>
+                <a:endParaRPr lang="en-US" altLang="ja-JP"/>
+              </a:p>
+              <a:p>
+                <a:r>
+                  <a:rPr kumimoji="1" lang="en-US" altLang="ja-JP"/>
+                  <a:t>2020</a:t>
+                </a:r>
+                <a:r>
+                  <a:rPr kumimoji="1" lang="ja-JP" altLang="en-US"/>
+                  <a:t>年</a:t>
+                </a:r>
+                <a:r>
+                  <a:rPr kumimoji="1" lang="en-US" altLang="ja-JP"/>
+                  <a:t>5000~qbit</a:t>
+                </a:r>
+              </a:p>
+              <a:p>
+                <a:r>
+                  <a:rPr kumimoji="1" lang="ja-JP" altLang="en-US"/>
+                  <a:t>注意</a:t>
+                </a:r>
+                <a:endParaRPr kumimoji="1" lang="en-US" altLang="ja-JP"/>
+              </a:p>
+              <a:p>
+                <a:pPr lvl="1"/>
+                <a:r>
+                  <a:rPr kumimoji="1" lang="ja-JP" altLang="en-US"/>
+                  <a:t>汎用コンピュータではない</a:t>
+                </a:r>
+                <a:endParaRPr kumimoji="1" lang="en-US" altLang="ja-JP"/>
+              </a:p>
+              <a:p>
+                <a:pPr lvl="1"/>
+                <a:r>
+                  <a:rPr kumimoji="1" lang="ja-JP" altLang="en-US"/>
+                  <a:t>今のところ暗号解読</a:t>
+                </a:r>
+                <a:r>
+                  <a:rPr kumimoji="1" lang="en-US" altLang="ja-JP"/>
+                  <a:t>(</a:t>
+                </a:r>
+                <a:r>
+                  <a:rPr kumimoji="1" lang="ja-JP" altLang="en-US"/>
+                  <a:t>素因数分解</a:t>
+                </a:r>
+                <a:r>
+                  <a:rPr kumimoji="1" lang="en-US" altLang="ja-JP"/>
+                  <a:t>, DLP)</a:t>
+                </a:r>
+                <a:r>
+                  <a:rPr kumimoji="1" lang="ja-JP" altLang="en-US"/>
+                  <a:t>は高速に解けない</a:t>
+                </a:r>
+                <a:endParaRPr kumimoji="1" lang="en-US" altLang="ja-JP"/>
+              </a:p>
+              <a:p>
+                <a:pPr lvl="1"/>
+                <a:endParaRPr kumimoji="1" lang="en-US" altLang="ja-JP"/>
+              </a:p>
+            </p:txBody>
+          </p:sp>
+        </mc:Choice>
+        <mc:Fallback>
+          <p:sp>
+            <p:nvSpPr>
+              <p:cNvPr id="2" name="コンテンツ プレースホルダー 1">
+                <a:extLst>
+                  <a:ext uri="{FF2B5EF4-FFF2-40B4-BE49-F238E27FC236}">
+                    <a16:creationId xmlns:a16="http://schemas.microsoft.com/office/drawing/2014/main" id="{3A10E0BC-1F4D-4EB7-B744-B61F4DBDC8AC}"/>
+                  </a:ext>
+                </a:extLst>
+              </p:cNvPr>
+              <p:cNvSpPr>
+                <a:spLocks noGrp="1" noRot="1" noChangeAspect="1" noMove="1" noResize="1" noEditPoints="1" noAdjustHandles="1" noChangeArrowheads="1" noChangeShapeType="1" noTextEdit="1"/>
+              </p:cNvSpPr>
+              <p:nvPr>
+                <p:ph idx="1"/>
+              </p:nvPr>
+            </p:nvSpPr>
+            <p:spPr>
+              <a:blipFill>
+                <a:blip r:embed="rId3"/>
+                <a:stretch>
+                  <a:fillRect l="-1200" t="-1038" b="-3115"/>
+                </a:stretch>
+              </a:blipFill>
+            </p:spPr>
+            <p:txBody>
+              <a:bodyPr/>
+              <a:lstStyle/>
+              <a:p>
+                <a:r>
+                  <a:rPr lang="ja-JP" altLang="en-US">
+                    <a:noFill/>
+                  </a:rPr>
+                  <a:t> </a:t>
+                </a:r>
+              </a:p>
+            </p:txBody>
+          </p:sp>
+        </mc:Fallback>
+      </mc:AlternateContent>
+      <p:sp>
+        <p:nvSpPr>
+          <p:cNvPr id="4" name="タイトル 3">
+            <a:extLst>
+              <a:ext uri="{FF2B5EF4-FFF2-40B4-BE49-F238E27FC236}">
+                <a16:creationId xmlns:a16="http://schemas.microsoft.com/office/drawing/2014/main" id="{A83CED19-033E-49E1-9861-483BB7D9FCFD}"/>
+              </a:ext>
+            </a:extLst>
+          </p:cNvPr>
+          <p:cNvSpPr>
+            <a:spLocks noGrp="1"/>
+          </p:cNvSpPr>
+          <p:nvPr>
+            <p:ph type="title"/>
+          </p:nvPr>
+        </p:nvSpPr>
+        <p:spPr/>
+        <p:txBody>
+          <a:bodyPr/>
+          <a:lstStyle/>
+          <a:p>
+            <a:r>
+              <a:rPr kumimoji="1" lang="ja-JP" altLang="en-US"/>
+              <a:t>量子アニーリグ</a:t>
+            </a:r>
+            <a:r>
+              <a:rPr kumimoji="1" lang="en-US" altLang="ja-JP"/>
+              <a:t>(annealing)</a:t>
+            </a:r>
+            <a:r>
+              <a:rPr kumimoji="1" lang="ja-JP" altLang="en-US"/>
+              <a:t>方式</a:t>
+            </a:r>
+          </a:p>
+        </p:txBody>
+      </p:sp>
+      <p:sp>
+        <p:nvSpPr>
+          <p:cNvPr id="7" name="スライド番号プレースホルダー 6">
+            <a:extLst>
+              <a:ext uri="{FF2B5EF4-FFF2-40B4-BE49-F238E27FC236}">
+                <a16:creationId xmlns:a16="http://schemas.microsoft.com/office/drawing/2014/main" id="{83A3A009-F987-4D6D-AEFD-6DF4D84447F2}"/>
+              </a:ext>
+            </a:extLst>
+          </p:cNvPr>
+          <p:cNvSpPr>
+            <a:spLocks noGrp="1"/>
+          </p:cNvSpPr>
+          <p:nvPr>
+            <p:ph type="sldNum" sz="quarter" idx="12"/>
+          </p:nvPr>
+        </p:nvSpPr>
+        <p:spPr/>
+        <p:txBody>
+          <a:bodyPr/>
+          <a:lstStyle/>
+          <a:p>
+            <a:pPr>
+              <a:defRPr/>
+            </a:pPr>
+            <a:r>
+              <a:rPr lang="en-US" altLang="ja-JP"/>
+              <a:t>    </a:t>
+            </a:r>
+            <a:fld id="{B2782DEB-472A-4FE5-AC34-C17109CF5A91}" type="slidenum">
+              <a:rPr lang="en-US" altLang="ja-JP" smtClean="0"/>
+              <a:pPr>
+                <a:defRPr/>
+              </a:pPr>
+              <a:t>21</a:t>
+            </a:fld>
+            <a:r>
+              <a:rPr lang="en-US" altLang="ja-JP"/>
+              <a:t> / 25</a:t>
+            </a:r>
+          </a:p>
+        </p:txBody>
+      </p:sp>
+    </p:spTree>
+    <p:extLst>
+      <p:ext uri="{BB962C8B-B14F-4D97-AF65-F5344CB8AC3E}">
+        <p14:creationId xmlns:p14="http://schemas.microsoft.com/office/powerpoint/2010/main" val="732797693"/>
+      </p:ext>
+    </p:extLst>
+  </p:cSld>
+  <p:clrMapOvr>
+    <a:masterClrMapping/>
+  </p:clrMapOvr>
+</p:sld>
+</file>
+
+<file path=ppt/slides/slide22.xml><?xml version="1.0" encoding="utf-8"?>
+<p:sld xmlns:a="http://schemas.openxmlformats.org/drawingml/2006/main" xmlns:r="http://schemas.openxmlformats.org/officeDocument/2006/relationships" xmlns:p="http://schemas.openxmlformats.org/presentationml/2006/main">
+  <p:cSld>
+    <p:spTree>
+      <p:nvGrpSpPr>
+        <p:cNvPr id="1" name=""/>
+        <p:cNvGrpSpPr/>
+        <p:nvPr/>
+      </p:nvGrpSpPr>
+      <p:grpSpPr>
+        <a:xfrm>
+          <a:off x="0" y="0"/>
+          <a:ext cx="0" cy="0"/>
+          <a:chOff x="0" y="0"/>
+          <a:chExt cx="0" cy="0"/>
+        </a:xfrm>
+      </p:grpSpPr>
+      <p:pic>
+        <p:nvPicPr>
+          <p:cNvPr id="6" name="図 5">
+            <a:extLst>
+              <a:ext uri="{FF2B5EF4-FFF2-40B4-BE49-F238E27FC236}">
+                <a16:creationId xmlns:a16="http://schemas.microsoft.com/office/drawing/2014/main" id="{1FAB121A-B67D-433E-BF04-6B7B94A97AE6}"/>
+              </a:ext>
+            </a:extLst>
+          </p:cNvPr>
+          <p:cNvPicPr>
+            <a:picLocks noChangeAspect="1"/>
+          </p:cNvPicPr>
+          <p:nvPr/>
+        </p:nvPicPr>
+        <p:blipFill>
+          <a:blip r:embed="rId2">
+            <a:extLst>
+              <a:ext uri="{28A0092B-C50C-407E-A947-70E740481C1C}">
+                <a14:useLocalDpi xmlns:a14="http://schemas.microsoft.com/office/drawing/2010/main" val="0"/>
+              </a:ext>
+            </a:extLst>
+          </a:blip>
+          <a:stretch>
+            <a:fillRect/>
+          </a:stretch>
+        </p:blipFill>
+        <p:spPr>
+          <a:xfrm>
+            <a:off x="3851920" y="2564904"/>
+            <a:ext cx="5112568" cy="2070590"/>
+          </a:xfrm>
+          <a:prstGeom prst="rect">
+            <a:avLst/>
+          </a:prstGeom>
+        </p:spPr>
+      </p:pic>
+      <p:sp>
+        <p:nvSpPr>
+          <p:cNvPr id="2" name="コンテンツ プレースホルダー 1">
+            <a:extLst>
+              <a:ext uri="{FF2B5EF4-FFF2-40B4-BE49-F238E27FC236}">
+                <a16:creationId xmlns:a16="http://schemas.microsoft.com/office/drawing/2014/main" id="{83E935C9-38F5-4392-BEA3-D50C56AC0130}"/>
+              </a:ext>
+            </a:extLst>
+          </p:cNvPr>
+          <p:cNvSpPr>
+            <a:spLocks noGrp="1"/>
+          </p:cNvSpPr>
+          <p:nvPr>
+            <p:ph idx="1"/>
+          </p:nvPr>
+        </p:nvSpPr>
+        <p:spPr/>
+        <p:txBody>
+          <a:bodyPr/>
+          <a:lstStyle/>
+          <a:p>
+            <a:r>
+              <a:rPr kumimoji="1" lang="en-US" altLang="ja-JP"/>
+              <a:t>QKD(Quantum Key Distribtion)</a:t>
+            </a:r>
+          </a:p>
+          <a:p>
+            <a:pPr lvl="1"/>
+            <a:r>
+              <a:rPr kumimoji="1" lang="ja-JP" altLang="en-US"/>
+              <a:t>鍵配送を量子の性質を利用 </a:t>
+            </a:r>
+            <a:r>
+              <a:rPr kumimoji="1" lang="en-US" altLang="ja-JP"/>
+              <a:t>BB84(1984, Bennett, Brassard)</a:t>
+            </a:r>
+          </a:p>
+          <a:p>
+            <a:pPr lvl="1"/>
+            <a:r>
+              <a:rPr kumimoji="1" lang="en-US" altLang="ja-JP"/>
+              <a:t>1bit</a:t>
+            </a:r>
+            <a:r>
+              <a:rPr kumimoji="1" lang="ja-JP" altLang="en-US"/>
+              <a:t>の秘密鍵を光子に対応させて伝送</a:t>
+            </a:r>
+            <a:endParaRPr kumimoji="1" lang="en-US" altLang="ja-JP"/>
+          </a:p>
+          <a:p>
+            <a:pPr lvl="1"/>
+            <a:r>
+              <a:rPr kumimoji="1" lang="ja-JP" altLang="en-US"/>
+              <a:t>盗聴されていれば傍受を検知して伝送を中断し再送</a:t>
+            </a:r>
+            <a:endParaRPr kumimoji="1" lang="en-US" altLang="ja-JP"/>
+          </a:p>
+          <a:p>
+            <a:pPr lvl="1"/>
+            <a:r>
+              <a:rPr kumimoji="1" lang="ja-JP" altLang="en-US"/>
+              <a:t>ワンタイムパッドの</a:t>
+            </a:r>
+            <a:br>
+              <a:rPr kumimoji="1" lang="en-US" altLang="ja-JP"/>
+            </a:br>
+            <a:r>
+              <a:rPr kumimoji="1" lang="ja-JP" altLang="en-US"/>
+              <a:t>秘密鍵を安全に配送</a:t>
+            </a:r>
+            <a:endParaRPr kumimoji="1" lang="en-US" altLang="ja-JP"/>
+          </a:p>
+          <a:p>
+            <a:r>
+              <a:rPr kumimoji="1" lang="ja-JP" altLang="en-US"/>
+              <a:t>注意</a:t>
+            </a:r>
+            <a:endParaRPr kumimoji="1" lang="en-US" altLang="ja-JP"/>
+          </a:p>
+          <a:p>
+            <a:pPr lvl="1"/>
+            <a:r>
+              <a:rPr kumimoji="1" lang="ja-JP" altLang="en-US"/>
+              <a:t>公開鍵暗号の機能は持たない</a:t>
+            </a:r>
+            <a:endParaRPr kumimoji="1" lang="en-US" altLang="ja-JP"/>
+          </a:p>
+          <a:p>
+            <a:pPr lvl="1"/>
+            <a:r>
+              <a:rPr kumimoji="1" lang="ja-JP" altLang="en-US"/>
+              <a:t>通信後のデータ保存は従来手法</a:t>
+            </a:r>
+            <a:endParaRPr kumimoji="1" lang="en-US" altLang="ja-JP"/>
+          </a:p>
+          <a:p>
+            <a:pPr lvl="1"/>
+            <a:r>
+              <a:rPr kumimoji="1" lang="ja-JP" altLang="en-US"/>
+              <a:t>実用化には光子の安定共有</a:t>
+            </a:r>
+            <a:r>
+              <a:rPr kumimoji="1" lang="en-US" altLang="ja-JP"/>
+              <a:t>, </a:t>
+            </a:r>
+            <a:r>
+              <a:rPr kumimoji="1" lang="ja-JP" altLang="en-US"/>
+              <a:t>ノイズ対策</a:t>
+            </a:r>
+            <a:r>
+              <a:rPr kumimoji="1" lang="en-US" altLang="ja-JP"/>
+              <a:t>, </a:t>
+            </a:r>
+            <a:r>
+              <a:rPr kumimoji="1" lang="ja-JP" altLang="en-US"/>
+              <a:t>信号の減衰対策</a:t>
+            </a:r>
+            <a:endParaRPr lang="en-US" altLang="ja-JP"/>
+          </a:p>
+          <a:p>
+            <a:pPr lvl="1"/>
+            <a:r>
+              <a:rPr kumimoji="1" lang="en-US" altLang="ja-JP"/>
+              <a:t>2020</a:t>
+            </a:r>
+            <a:r>
+              <a:rPr kumimoji="1" lang="ja-JP" altLang="en-US"/>
+              <a:t>年</a:t>
+            </a:r>
+            <a:r>
+              <a:rPr lang="en-US" altLang="ja-JP"/>
+              <a:t> </a:t>
+            </a:r>
+            <a:r>
+              <a:rPr lang="ja-JP" altLang="en-US"/>
+              <a:t>東芝らが</a:t>
+            </a:r>
+            <a:r>
+              <a:rPr lang="en-US" altLang="ja-JP"/>
+              <a:t>7km</a:t>
+            </a:r>
+            <a:r>
+              <a:rPr lang="ja-JP" altLang="en-US"/>
+              <a:t>を</a:t>
+            </a:r>
+            <a:r>
+              <a:rPr lang="en-US" altLang="ja-JP"/>
+              <a:t>10Mbps</a:t>
+            </a:r>
+            <a:r>
+              <a:rPr lang="ja-JP" altLang="en-US"/>
+              <a:t>で</a:t>
+            </a:r>
+            <a:endParaRPr lang="en-US" altLang="ja-JP"/>
+          </a:p>
+          <a:p>
+            <a:pPr lvl="1"/>
+            <a:r>
+              <a:rPr kumimoji="1" lang="en-US" altLang="ja-JP"/>
+              <a:t>2021</a:t>
+            </a:r>
+            <a:r>
+              <a:rPr kumimoji="1" lang="ja-JP" altLang="en-US"/>
+              <a:t>年</a:t>
+            </a:r>
+            <a:r>
+              <a:rPr lang="en-US" altLang="ja-JP"/>
+              <a:t> </a:t>
+            </a:r>
+            <a:r>
+              <a:rPr kumimoji="1" lang="ja-JP" altLang="en-US"/>
+              <a:t>中国複数の拠点をつないで</a:t>
+            </a:r>
+            <a:r>
+              <a:rPr kumimoji="1" lang="en-US" altLang="ja-JP"/>
+              <a:t>4600km</a:t>
+            </a:r>
+            <a:r>
+              <a:rPr kumimoji="1" lang="ja-JP" altLang="en-US"/>
+              <a:t>を</a:t>
+            </a:r>
+            <a:r>
+              <a:rPr kumimoji="1" lang="en-US" altLang="ja-JP"/>
+              <a:t>47.8kbps</a:t>
+            </a:r>
+            <a:r>
+              <a:rPr kumimoji="1" lang="ja-JP" altLang="en-US"/>
+              <a:t>で</a:t>
+            </a:r>
+            <a:endParaRPr kumimoji="1" lang="en-US" altLang="ja-JP"/>
+          </a:p>
+          <a:p>
+            <a:pPr lvl="2"/>
+            <a:r>
+              <a:rPr kumimoji="1" lang="ja-JP" altLang="en-US"/>
+              <a:t>中継地点で盗聴される可能性は否定できない</a:t>
+            </a:r>
+          </a:p>
+        </p:txBody>
+      </p:sp>
+      <p:sp>
+        <p:nvSpPr>
+          <p:cNvPr id="4" name="タイトル 3">
+            <a:extLst>
+              <a:ext uri="{FF2B5EF4-FFF2-40B4-BE49-F238E27FC236}">
+                <a16:creationId xmlns:a16="http://schemas.microsoft.com/office/drawing/2014/main" id="{42C31F27-E8CB-4C6C-88E7-747BCAE491AB}"/>
+              </a:ext>
+            </a:extLst>
+          </p:cNvPr>
+          <p:cNvSpPr>
+            <a:spLocks noGrp="1"/>
+          </p:cNvSpPr>
+          <p:nvPr>
+            <p:ph type="title"/>
+          </p:nvPr>
+        </p:nvSpPr>
+        <p:spPr/>
+        <p:txBody>
+          <a:bodyPr/>
+          <a:lstStyle/>
+          <a:p>
+            <a:r>
+              <a:rPr kumimoji="1" lang="ja-JP" altLang="en-US"/>
+              <a:t>量子鍵配送</a:t>
+            </a:r>
+            <a:r>
+              <a:rPr kumimoji="1" lang="en-US" altLang="ja-JP"/>
+              <a:t>(</a:t>
+            </a:r>
+            <a:r>
+              <a:rPr kumimoji="1" lang="ja-JP" altLang="en-US"/>
+              <a:t>量子暗号通信</a:t>
+            </a:r>
+            <a:r>
+              <a:rPr kumimoji="1" lang="en-US" altLang="ja-JP"/>
+              <a:t>)</a:t>
+            </a:r>
+            <a:endParaRPr kumimoji="1" lang="ja-JP" altLang="en-US"/>
+          </a:p>
+        </p:txBody>
+      </p:sp>
+      <p:sp>
+        <p:nvSpPr>
+          <p:cNvPr id="7" name="スライド番号プレースホルダー 6">
+            <a:extLst>
+              <a:ext uri="{FF2B5EF4-FFF2-40B4-BE49-F238E27FC236}">
+                <a16:creationId xmlns:a16="http://schemas.microsoft.com/office/drawing/2014/main" id="{30E75B3B-8D6E-47ED-9272-CC924076193A}"/>
+              </a:ext>
+            </a:extLst>
+          </p:cNvPr>
+          <p:cNvSpPr>
+            <a:spLocks noGrp="1"/>
+          </p:cNvSpPr>
+          <p:nvPr>
+            <p:ph type="sldNum" sz="quarter" idx="12"/>
+          </p:nvPr>
+        </p:nvSpPr>
+        <p:spPr/>
+        <p:txBody>
+          <a:bodyPr/>
+          <a:lstStyle/>
+          <a:p>
+            <a:pPr>
+              <a:defRPr/>
+            </a:pPr>
+            <a:r>
+              <a:rPr lang="en-US" altLang="ja-JP"/>
+              <a:t>    </a:t>
+            </a:r>
+            <a:fld id="{B2782DEB-472A-4FE5-AC34-C17109CF5A91}" type="slidenum">
+              <a:rPr lang="en-US" altLang="ja-JP" smtClean="0"/>
+              <a:pPr>
+                <a:defRPr/>
+              </a:pPr>
+              <a:t>22</a:t>
+            </a:fld>
+            <a:r>
+              <a:rPr lang="en-US" altLang="ja-JP"/>
+              <a:t> / 25</a:t>
+            </a:r>
+          </a:p>
+        </p:txBody>
+      </p:sp>
+    </p:spTree>
+    <p:extLst>
+      <p:ext uri="{BB962C8B-B14F-4D97-AF65-F5344CB8AC3E}">
+        <p14:creationId xmlns:p14="http://schemas.microsoft.com/office/powerpoint/2010/main" val="3424896797"/>
+      </p:ext>
+    </p:extLst>
+  </p:cSld>
+  <p:clrMapOvr>
+    <a:masterClrMapping/>
+  </p:clrMapOvr>
+</p:sld>
+</file>
+
+<file path=ppt/slides/slide23.xml><?xml version="1.0" encoding="utf-8"?>
+<p:sld xmlns:a="http://schemas.openxmlformats.org/drawingml/2006/main" xmlns:r="http://schemas.openxmlformats.org/officeDocument/2006/relationships" xmlns:p="http://schemas.openxmlformats.org/presentationml/2006/main">
+  <p:cSld>
+    <p:spTree>
+      <p:nvGrpSpPr>
+        <p:cNvPr id="1" name=""/>
+        <p:cNvGrpSpPr/>
+        <p:nvPr/>
+      </p:nvGrpSpPr>
+      <p:grpSpPr>
+        <a:xfrm>
+          <a:off x="0" y="0"/>
+          <a:ext cx="0" cy="0"/>
+          <a:chOff x="0" y="0"/>
+          <a:chExt cx="0" cy="0"/>
+        </a:xfrm>
+      </p:grpSpPr>
+      <p:sp>
+        <p:nvSpPr>
+          <p:cNvPr id="2" name="コンテンツ プレースホルダー 1">
+            <a:extLst>
+              <a:ext uri="{FF2B5EF4-FFF2-40B4-BE49-F238E27FC236}">
+                <a16:creationId xmlns:a16="http://schemas.microsoft.com/office/drawing/2014/main" id="{335F2638-0E84-4DB9-A5ED-BD38460B55A2}"/>
+              </a:ext>
+            </a:extLst>
+          </p:cNvPr>
+          <p:cNvSpPr>
+            <a:spLocks noGrp="1"/>
+          </p:cNvSpPr>
+          <p:nvPr>
+            <p:ph idx="1"/>
+          </p:nvPr>
+        </p:nvSpPr>
+        <p:spPr/>
+        <p:txBody>
+          <a:bodyPr/>
+          <a:lstStyle/>
+          <a:p>
+            <a:r>
+              <a:rPr kumimoji="1" lang="ja-JP" altLang="en-US"/>
+              <a:t>量子コンピュータの発展で</a:t>
+            </a:r>
+            <a:r>
+              <a:rPr kumimoji="1" lang="en-US" altLang="ja-JP"/>
+              <a:t>RSA</a:t>
+            </a:r>
+            <a:r>
+              <a:rPr lang="en-US" altLang="ja-JP"/>
+              <a:t>,</a:t>
+            </a:r>
+            <a:r>
+              <a:rPr lang="ja-JP" altLang="en-US"/>
+              <a:t> </a:t>
+            </a:r>
+            <a:r>
+              <a:rPr kumimoji="1" lang="en-US" altLang="ja-JP"/>
+              <a:t>ECC</a:t>
+            </a:r>
+            <a:r>
+              <a:rPr kumimoji="1" lang="ja-JP" altLang="en-US"/>
+              <a:t>が危殆化の可能性</a:t>
+            </a:r>
+            <a:endParaRPr kumimoji="1" lang="en-US" altLang="ja-JP"/>
+          </a:p>
+          <a:p>
+            <a:r>
+              <a:rPr kumimoji="1" lang="ja-JP" altLang="en-US"/>
+              <a:t>耐量子計算機暗号</a:t>
+            </a:r>
+            <a:r>
+              <a:rPr lang="en-US" altLang="ja-JP"/>
+              <a:t>PQC(Post Quantum Cryptography)</a:t>
+            </a:r>
+            <a:endParaRPr kumimoji="1" lang="en-US" altLang="ja-JP"/>
+          </a:p>
+          <a:p>
+            <a:pPr lvl="1"/>
+            <a:r>
+              <a:rPr kumimoji="1" lang="ja-JP" altLang="en-US"/>
+              <a:t>耐量子暗号</a:t>
+            </a:r>
+            <a:r>
+              <a:rPr kumimoji="1" lang="en-US" altLang="ja-JP"/>
+              <a:t>, </a:t>
+            </a:r>
+            <a:r>
+              <a:rPr kumimoji="1" lang="ja-JP" altLang="en-US"/>
+              <a:t>ポスト量子暗号</a:t>
+            </a:r>
+            <a:endParaRPr kumimoji="1" lang="en-US" altLang="ja-JP"/>
+          </a:p>
+          <a:p>
+            <a:pPr lvl="1"/>
+            <a:r>
+              <a:rPr kumimoji="1" lang="ja-JP" altLang="en-US"/>
+              <a:t>量子コンピュータに対しても安全な暗号技術</a:t>
+            </a:r>
+            <a:endParaRPr kumimoji="1" lang="en-US" altLang="ja-JP"/>
+          </a:p>
+          <a:p>
+            <a:pPr lvl="1"/>
+            <a:r>
+              <a:rPr kumimoji="1" lang="en-US" altLang="ja-JP"/>
+              <a:t>2016</a:t>
+            </a:r>
+            <a:r>
+              <a:rPr kumimoji="1" lang="ja-JP" altLang="en-US"/>
+              <a:t>年から</a:t>
+            </a:r>
+            <a:r>
+              <a:rPr kumimoji="1" lang="en-US" altLang="ja-JP"/>
+              <a:t>NIST</a:t>
+            </a:r>
+            <a:r>
+              <a:rPr kumimoji="1" lang="ja-JP" altLang="en-US"/>
+              <a:t>が標準化に向けて公募</a:t>
+            </a:r>
+            <a:endParaRPr kumimoji="1" lang="en-US" altLang="ja-JP"/>
+          </a:p>
+        </p:txBody>
+      </p:sp>
+      <p:sp>
+        <p:nvSpPr>
+          <p:cNvPr id="4" name="タイトル 3">
+            <a:extLst>
+              <a:ext uri="{FF2B5EF4-FFF2-40B4-BE49-F238E27FC236}">
+                <a16:creationId xmlns:a16="http://schemas.microsoft.com/office/drawing/2014/main" id="{AAECC339-7223-4742-BEB3-01510CA5F6B1}"/>
+              </a:ext>
+            </a:extLst>
+          </p:cNvPr>
+          <p:cNvSpPr>
+            <a:spLocks noGrp="1"/>
+          </p:cNvSpPr>
+          <p:nvPr>
+            <p:ph type="title"/>
+          </p:nvPr>
+        </p:nvSpPr>
+        <p:spPr/>
+        <p:txBody>
+          <a:bodyPr/>
+          <a:lstStyle/>
+          <a:p>
+            <a:r>
+              <a:rPr kumimoji="1" lang="ja-JP" altLang="en-US"/>
+              <a:t>耐量子計算機暗号</a:t>
+            </a:r>
+          </a:p>
+        </p:txBody>
+      </p:sp>
+      <p:graphicFrame>
+        <p:nvGraphicFramePr>
+          <p:cNvPr id="5" name="表 5">
+            <a:extLst>
+              <a:ext uri="{FF2B5EF4-FFF2-40B4-BE49-F238E27FC236}">
+                <a16:creationId xmlns:a16="http://schemas.microsoft.com/office/drawing/2014/main" id="{3A2DFD71-33EB-4065-8401-7F02C26D5674}"/>
+              </a:ext>
+            </a:extLst>
+          </p:cNvPr>
+          <p:cNvGraphicFramePr>
+            <a:graphicFrameLocks noGrp="1"/>
+          </p:cNvGraphicFramePr>
+          <p:nvPr>
+            <p:extLst>
+              <p:ext uri="{D42A27DB-BD31-4B8C-83A1-F6EECF244321}">
+                <p14:modId xmlns:p14="http://schemas.microsoft.com/office/powerpoint/2010/main" val="513696856"/>
+              </p:ext>
+            </p:extLst>
+          </p:nvPr>
+        </p:nvGraphicFramePr>
+        <p:xfrm>
+          <a:off x="370274" y="3341712"/>
+          <a:ext cx="8378190" cy="2895600"/>
+        </p:xfrm>
+        <a:graphic>
+          <a:graphicData uri="http://schemas.openxmlformats.org/drawingml/2006/table">
+            <a:tbl>
+              <a:tblPr firstRow="1" bandRow="1">
+                <a:tableStyleId>{5C22544A-7EE6-4342-B048-85BDC9FD1C3A}</a:tableStyleId>
+              </a:tblPr>
+              <a:tblGrid>
+                <a:gridCol w="2792730">
+                  <a:extLst>
+                    <a:ext uri="{9D8B030D-6E8A-4147-A177-3AD203B41FA5}">
+                      <a16:colId xmlns:a16="http://schemas.microsoft.com/office/drawing/2014/main" val="439377958"/>
+                    </a:ext>
+                  </a:extLst>
+                </a:gridCol>
+                <a:gridCol w="2792730">
+                  <a:extLst>
+                    <a:ext uri="{9D8B030D-6E8A-4147-A177-3AD203B41FA5}">
+                      <a16:colId xmlns:a16="http://schemas.microsoft.com/office/drawing/2014/main" val="2788121766"/>
+                    </a:ext>
+                  </a:extLst>
+                </a:gridCol>
+                <a:gridCol w="2792730">
+                  <a:extLst>
+                    <a:ext uri="{9D8B030D-6E8A-4147-A177-3AD203B41FA5}">
+                      <a16:colId xmlns:a16="http://schemas.microsoft.com/office/drawing/2014/main" val="3482570627"/>
+                    </a:ext>
+                  </a:extLst>
+                </a:gridCol>
+              </a:tblGrid>
+              <a:tr h="370840">
+                <a:tc>
+                  <a:txBody>
+                    <a:bodyPr/>
+                    <a:lstStyle/>
+                    <a:p>
+                      <a:r>
+                        <a:rPr kumimoji="1" lang="ja-JP" altLang="en-US" sz="2000"/>
+                        <a:t>用語</a:t>
+                      </a:r>
+                    </a:p>
+                  </a:txBody>
+                  <a:tcPr/>
+                </a:tc>
+                <a:tc>
+                  <a:txBody>
+                    <a:bodyPr/>
+                    <a:lstStyle/>
+                    <a:p>
+                      <a:r>
+                        <a:rPr kumimoji="1" lang="ja-JP" altLang="en-US" sz="2000"/>
+                        <a:t>用途</a:t>
+                      </a:r>
+                    </a:p>
+                  </a:txBody>
+                  <a:tcPr/>
+                </a:tc>
+                <a:tc>
+                  <a:txBody>
+                    <a:bodyPr/>
+                    <a:lstStyle/>
+                    <a:p>
+                      <a:r>
+                        <a:rPr kumimoji="1" lang="ja-JP" altLang="en-US" sz="2000"/>
+                        <a:t>従来のコンピュータで</a:t>
+                      </a:r>
+                    </a:p>
+                  </a:txBody>
+                  <a:tcPr/>
+                </a:tc>
+                <a:extLst>
+                  <a:ext uri="{0D108BD9-81ED-4DB2-BD59-A6C34878D82A}">
+                    <a16:rowId xmlns:a16="http://schemas.microsoft.com/office/drawing/2014/main" val="1661847055"/>
+                  </a:ext>
+                </a:extLst>
+              </a:tr>
+              <a:tr h="370840">
+                <a:tc>
+                  <a:txBody>
+                    <a:bodyPr/>
+                    <a:lstStyle/>
+                    <a:p>
+                      <a:r>
+                        <a:rPr kumimoji="1" lang="ja-JP" altLang="en-US" sz="2000"/>
+                        <a:t>汎用量子コンピュータ</a:t>
+                      </a:r>
+                    </a:p>
+                  </a:txBody>
+                  <a:tcPr/>
+                </a:tc>
+                <a:tc>
+                  <a:txBody>
+                    <a:bodyPr/>
+                    <a:lstStyle/>
+                    <a:p>
+                      <a:r>
+                        <a:rPr kumimoji="1" lang="ja-JP" altLang="en-US" sz="2000"/>
+                        <a:t>公開鍵暗号解読</a:t>
+                      </a:r>
+                      <a:endParaRPr kumimoji="1" lang="en-US" altLang="ja-JP" sz="2000"/>
+                    </a:p>
+                    <a:p>
+                      <a:r>
+                        <a:rPr kumimoji="1" lang="ja-JP" altLang="en-US" sz="2000"/>
+                        <a:t>高性能計算</a:t>
+                      </a:r>
+                    </a:p>
+                  </a:txBody>
+                  <a:tcPr/>
+                </a:tc>
+                <a:tc>
+                  <a:txBody>
+                    <a:bodyPr/>
+                    <a:lstStyle/>
+                    <a:p>
+                      <a:r>
+                        <a:rPr kumimoji="1" lang="ja-JP" altLang="en-US" sz="2000"/>
+                        <a:t>動作しない</a:t>
+                      </a:r>
+                    </a:p>
+                  </a:txBody>
+                  <a:tcPr/>
+                </a:tc>
+                <a:extLst>
+                  <a:ext uri="{0D108BD9-81ED-4DB2-BD59-A6C34878D82A}">
+                    <a16:rowId xmlns:a16="http://schemas.microsoft.com/office/drawing/2014/main" val="2779826942"/>
+                  </a:ext>
+                </a:extLst>
+              </a:tr>
+              <a:tr h="370840">
+                <a:tc>
+                  <a:txBody>
+                    <a:bodyPr/>
+                    <a:lstStyle/>
+                    <a:p>
+                      <a:r>
+                        <a:rPr kumimoji="1" lang="ja-JP" altLang="en-US" sz="2000"/>
+                        <a:t>量子アニーリグ方式</a:t>
+                      </a:r>
+                    </a:p>
+                  </a:txBody>
+                  <a:tcPr/>
+                </a:tc>
+                <a:tc>
+                  <a:txBody>
+                    <a:bodyPr/>
+                    <a:lstStyle/>
+                    <a:p>
+                      <a:r>
+                        <a:rPr kumimoji="1" lang="ja-JP" altLang="en-US" sz="2000"/>
+                        <a:t>組合せ最適化</a:t>
+                      </a:r>
+                    </a:p>
+                  </a:txBody>
+                  <a:tcPr/>
+                </a:tc>
+                <a:tc>
+                  <a:txBody>
+                    <a:bodyPr/>
+                    <a:lstStyle/>
+                    <a:p>
+                      <a:r>
+                        <a:rPr kumimoji="1" lang="ja-JP" altLang="en-US" sz="2000"/>
+                        <a:t>動作しない</a:t>
+                      </a:r>
+                    </a:p>
+                  </a:txBody>
+                  <a:tcPr/>
+                </a:tc>
+                <a:extLst>
+                  <a:ext uri="{0D108BD9-81ED-4DB2-BD59-A6C34878D82A}">
+                    <a16:rowId xmlns:a16="http://schemas.microsoft.com/office/drawing/2014/main" val="2076783648"/>
+                  </a:ext>
+                </a:extLst>
+              </a:tr>
+              <a:tr h="370840">
+                <a:tc>
+                  <a:txBody>
+                    <a:bodyPr/>
+                    <a:lstStyle/>
+                    <a:p>
+                      <a:r>
+                        <a:rPr kumimoji="1" lang="ja-JP" altLang="en-US" sz="2000"/>
+                        <a:t>量子鍵配送</a:t>
+                      </a:r>
+                      <a:br>
+                        <a:rPr kumimoji="1" lang="en-US" altLang="ja-JP" sz="2000"/>
+                      </a:br>
+                      <a:r>
+                        <a:rPr kumimoji="1" lang="en-US" altLang="ja-JP" sz="2000"/>
+                        <a:t>(</a:t>
+                      </a:r>
+                      <a:r>
+                        <a:rPr kumimoji="1" lang="ja-JP" altLang="en-US" sz="2000"/>
+                        <a:t>量子暗号通信</a:t>
+                      </a:r>
+                      <a:r>
+                        <a:rPr kumimoji="1" lang="en-US" altLang="ja-JP" sz="2000"/>
+                        <a:t>)</a:t>
+                      </a:r>
+                      <a:endParaRPr kumimoji="1" lang="ja-JP" altLang="en-US" sz="2000"/>
+                    </a:p>
+                  </a:txBody>
+                  <a:tcPr/>
+                </a:tc>
+                <a:tc>
+                  <a:txBody>
+                    <a:bodyPr/>
+                    <a:lstStyle/>
+                    <a:p>
+                      <a:r>
+                        <a:rPr kumimoji="1" lang="ja-JP" altLang="en-US" sz="2000"/>
+                        <a:t>ワンタイムパッド</a:t>
+                      </a:r>
+                    </a:p>
+                  </a:txBody>
+                  <a:tcPr/>
+                </a:tc>
+                <a:tc>
+                  <a:txBody>
+                    <a:bodyPr/>
+                    <a:lstStyle/>
+                    <a:p>
+                      <a:r>
+                        <a:rPr kumimoji="1" lang="ja-JP" altLang="en-US" sz="2000"/>
+                        <a:t>動作しない</a:t>
+                      </a:r>
+                    </a:p>
+                  </a:txBody>
+                  <a:tcPr/>
+                </a:tc>
+                <a:extLst>
+                  <a:ext uri="{0D108BD9-81ED-4DB2-BD59-A6C34878D82A}">
+                    <a16:rowId xmlns:a16="http://schemas.microsoft.com/office/drawing/2014/main" val="1662004344"/>
+                  </a:ext>
+                </a:extLst>
+              </a:tr>
+              <a:tr h="370840">
+                <a:tc>
+                  <a:txBody>
+                    <a:bodyPr/>
+                    <a:lstStyle/>
+                    <a:p>
+                      <a:r>
+                        <a:rPr kumimoji="1" lang="ja-JP" altLang="en-US" sz="2000"/>
+                        <a:t>耐量子計算機暗号</a:t>
+                      </a:r>
+                    </a:p>
+                  </a:txBody>
+                  <a:tcPr/>
+                </a:tc>
+                <a:tc>
+                  <a:txBody>
+                    <a:bodyPr/>
+                    <a:lstStyle/>
+                    <a:p>
+                      <a:r>
+                        <a:rPr kumimoji="1" lang="ja-JP" altLang="en-US" sz="2000"/>
+                        <a:t>量子コンピュータが</a:t>
+                      </a:r>
+                      <a:endParaRPr kumimoji="1" lang="en-US" altLang="ja-JP" sz="2000"/>
+                    </a:p>
+                    <a:p>
+                      <a:r>
+                        <a:rPr kumimoji="1" lang="ja-JP" altLang="en-US" sz="2000"/>
+                        <a:t>登場しても安全な暗号</a:t>
+                      </a:r>
+                    </a:p>
+                  </a:txBody>
+                  <a:tcPr/>
+                </a:tc>
+                <a:tc>
+                  <a:txBody>
+                    <a:bodyPr/>
+                    <a:lstStyle/>
+                    <a:p>
+                      <a:r>
+                        <a:rPr kumimoji="1" lang="ja-JP" altLang="en-US" sz="2000"/>
+                        <a:t>動作する</a:t>
+                      </a:r>
+                    </a:p>
+                  </a:txBody>
+                  <a:tcPr/>
+                </a:tc>
+                <a:extLst>
+                  <a:ext uri="{0D108BD9-81ED-4DB2-BD59-A6C34878D82A}">
+                    <a16:rowId xmlns:a16="http://schemas.microsoft.com/office/drawing/2014/main" val="2305952840"/>
+                  </a:ext>
+                </a:extLst>
+              </a:tr>
+            </a:tbl>
+          </a:graphicData>
+        </a:graphic>
+      </p:graphicFrame>
+      <p:sp>
+        <p:nvSpPr>
+          <p:cNvPr id="6" name="スライド番号プレースホルダー 5">
+            <a:extLst>
+              <a:ext uri="{FF2B5EF4-FFF2-40B4-BE49-F238E27FC236}">
+                <a16:creationId xmlns:a16="http://schemas.microsoft.com/office/drawing/2014/main" id="{351BDE0C-B72C-4DB5-BEFF-D78CE71BBA4E}"/>
+              </a:ext>
+            </a:extLst>
+          </p:cNvPr>
+          <p:cNvSpPr>
+            <a:spLocks noGrp="1"/>
+          </p:cNvSpPr>
+          <p:nvPr>
+            <p:ph type="sldNum" sz="quarter" idx="12"/>
+          </p:nvPr>
+        </p:nvSpPr>
+        <p:spPr/>
+        <p:txBody>
+          <a:bodyPr/>
+          <a:lstStyle/>
+          <a:p>
+            <a:pPr>
+              <a:defRPr/>
+            </a:pPr>
+            <a:r>
+              <a:rPr lang="en-US" altLang="ja-JP"/>
+              <a:t>    </a:t>
+            </a:r>
+            <a:fld id="{B2782DEB-472A-4FE5-AC34-C17109CF5A91}" type="slidenum">
+              <a:rPr lang="en-US" altLang="ja-JP" smtClean="0"/>
+              <a:pPr>
+                <a:defRPr/>
+              </a:pPr>
+              <a:t>23</a:t>
+            </a:fld>
+            <a:r>
+              <a:rPr lang="en-US" altLang="ja-JP"/>
+              <a:t> / 25</a:t>
+            </a:r>
+          </a:p>
+        </p:txBody>
+      </p:sp>
+    </p:spTree>
+    <p:extLst>
+      <p:ext uri="{BB962C8B-B14F-4D97-AF65-F5344CB8AC3E}">
+        <p14:creationId xmlns:p14="http://schemas.microsoft.com/office/powerpoint/2010/main" val="3252486701"/>
+      </p:ext>
+    </p:extLst>
+  </p:cSld>
+  <p:clrMapOvr>
+    <a:masterClrMapping/>
+  </p:clrMapOvr>
+</p:sld>
+</file>
+
+<file path=ppt/slides/slide24.xml><?xml version="1.0" encoding="utf-8"?>
+<p:sld xmlns:a="http://schemas.openxmlformats.org/drawingml/2006/main" xmlns:r="http://schemas.openxmlformats.org/officeDocument/2006/relationships" xmlns:p="http://schemas.openxmlformats.org/presentationml/2006/main">
+  <p:cSld>
+    <p:spTree>
+      <p:nvGrpSpPr>
+        <p:cNvPr id="1" name=""/>
+        <p:cNvGrpSpPr/>
+        <p:nvPr/>
+      </p:nvGrpSpPr>
+      <p:grpSpPr>
+        <a:xfrm>
+          <a:off x="0" y="0"/>
+          <a:ext cx="0" cy="0"/>
+          <a:chOff x="0" y="0"/>
+          <a:chExt cx="0" cy="0"/>
+        </a:xfrm>
+      </p:grpSpPr>
+      <p:pic>
+        <p:nvPicPr>
+          <p:cNvPr id="6" name="図 5">
+            <a:extLst>
+              <a:ext uri="{FF2B5EF4-FFF2-40B4-BE49-F238E27FC236}">
+                <a16:creationId xmlns:a16="http://schemas.microsoft.com/office/drawing/2014/main" id="{B879220C-73A2-4F9D-BD09-DC847FBBD674}"/>
+              </a:ext>
+            </a:extLst>
+          </p:cNvPr>
+          <p:cNvPicPr>
+            <a:picLocks noChangeAspect="1"/>
+          </p:cNvPicPr>
+          <p:nvPr/>
+        </p:nvPicPr>
+        <p:blipFill>
+          <a:blip r:embed="rId2"/>
+          <a:stretch>
+            <a:fillRect/>
+          </a:stretch>
+        </p:blipFill>
+        <p:spPr>
+          <a:xfrm>
+            <a:off x="5364088" y="4437112"/>
+            <a:ext cx="3404823" cy="1861750"/>
+          </a:xfrm>
+          <a:prstGeom prst="rect">
+            <a:avLst/>
+          </a:prstGeom>
+        </p:spPr>
+      </p:pic>
+      <mc:AlternateContent xmlns:mc="http://schemas.openxmlformats.org/markup-compatibility/2006">
+        <mc:Choice xmlns:a14="http://schemas.microsoft.com/office/drawing/2010/main" Requires="a14">
+          <p:sp>
+            <p:nvSpPr>
+              <p:cNvPr id="2" name="コンテンツ プレースホルダー 1">
+                <a:extLst>
+                  <a:ext uri="{FF2B5EF4-FFF2-40B4-BE49-F238E27FC236}">
+                    <a16:creationId xmlns:a16="http://schemas.microsoft.com/office/drawing/2014/main" id="{2CE4DB42-6750-45E1-84E2-B626A3C5EFAB}"/>
+                  </a:ext>
+                </a:extLst>
+              </p:cNvPr>
+              <p:cNvSpPr>
+                <a:spLocks noGrp="1"/>
+              </p:cNvSpPr>
+              <p:nvPr>
+                <p:ph idx="1"/>
+              </p:nvPr>
+            </p:nvSpPr>
+            <p:spPr/>
+            <p:txBody>
+              <a:bodyPr/>
+              <a:lstStyle/>
+              <a:p>
+                <a:r>
+                  <a:rPr kumimoji="1" lang="en-US" altLang="ja-JP"/>
+                  <a:t>LWE(Learning with errors)</a:t>
+                </a:r>
+              </a:p>
+              <a:p>
+                <a:pPr lvl="1"/>
+                <a:r>
+                  <a:rPr kumimoji="1" lang="ja-JP" altLang="en-US"/>
+                  <a:t>完全準同型暗号でも利用されている</a:t>
+                </a:r>
+                <a:endParaRPr kumimoji="1" lang="en-US" altLang="ja-JP"/>
+              </a:p>
+              <a:p>
+                <a:pPr lvl="1"/>
+                <a:r>
+                  <a:rPr kumimoji="1" lang="ja-JP" altLang="en-US"/>
+                  <a:t>連立一次方程式</a:t>
+                </a:r>
+                <a14:m>
+                  <m:oMath xmlns:m="http://schemas.openxmlformats.org/officeDocument/2006/math">
+                    <m:r>
+                      <a:rPr kumimoji="1" lang="en-US" altLang="ja-JP" b="0" i="1" smtClean="0">
+                        <a:latin typeface="Cambria Math" panose="02040503050406030204" pitchFamily="18" charset="0"/>
+                      </a:rPr>
+                      <m:t>𝐴𝑥</m:t>
+                    </m:r>
+                    <m:r>
+                      <a:rPr kumimoji="1" lang="en-US" altLang="ja-JP" b="0" i="1" smtClean="0">
+                        <a:latin typeface="Cambria Math" panose="02040503050406030204" pitchFamily="18" charset="0"/>
+                      </a:rPr>
+                      <m:t>=</m:t>
+                    </m:r>
+                    <m:r>
+                      <a:rPr kumimoji="1" lang="en-US" altLang="ja-JP" b="0" i="1" smtClean="0">
+                        <a:latin typeface="Cambria Math" panose="02040503050406030204" pitchFamily="18" charset="0"/>
+                      </a:rPr>
+                      <m:t>𝑏</m:t>
+                    </m:r>
+                  </m:oMath>
+                </a14:m>
+                <a:r>
+                  <a:rPr kumimoji="1" lang="ja-JP" altLang="en-US"/>
+                  <a:t>から</a:t>
+                </a:r>
+                <a14:m>
+                  <m:oMath xmlns:m="http://schemas.openxmlformats.org/officeDocument/2006/math">
+                    <m:r>
+                      <a:rPr kumimoji="1" lang="en-US" altLang="ja-JP" b="0" i="1" smtClean="0">
+                        <a:latin typeface="Cambria Math" panose="02040503050406030204" pitchFamily="18" charset="0"/>
+                      </a:rPr>
+                      <m:t>𝑥</m:t>
+                    </m:r>
+                    <m:r>
+                      <a:rPr kumimoji="1" lang="en-US" altLang="ja-JP" b="0" i="1" smtClean="0">
+                        <a:latin typeface="Cambria Math" panose="02040503050406030204" pitchFamily="18" charset="0"/>
+                      </a:rPr>
+                      <m:t>=</m:t>
+                    </m:r>
+                    <m:sSup>
+                      <m:sSupPr>
+                        <m:ctrlPr>
+                          <a:rPr kumimoji="1" lang="en-US" altLang="ja-JP" b="0" i="1" smtClean="0">
+                            <a:latin typeface="Cambria Math" panose="02040503050406030204" pitchFamily="18" charset="0"/>
+                          </a:rPr>
+                        </m:ctrlPr>
+                      </m:sSupPr>
+                      <m:e>
+                        <m:r>
+                          <a:rPr kumimoji="1" lang="en-US" altLang="ja-JP" b="0" i="1" smtClean="0">
+                            <a:latin typeface="Cambria Math" panose="02040503050406030204" pitchFamily="18" charset="0"/>
+                          </a:rPr>
+                          <m:t>𝐴</m:t>
+                        </m:r>
+                      </m:e>
+                      <m:sup>
+                        <m:r>
+                          <a:rPr kumimoji="1" lang="en-US" altLang="ja-JP" b="0" i="1" smtClean="0">
+                            <a:latin typeface="Cambria Math" panose="02040503050406030204" pitchFamily="18" charset="0"/>
+                          </a:rPr>
+                          <m:t>−1</m:t>
+                        </m:r>
+                      </m:sup>
+                    </m:sSup>
+                    <m:r>
+                      <a:rPr kumimoji="1" lang="en-US" altLang="ja-JP" b="0" i="1" smtClean="0">
+                        <a:latin typeface="Cambria Math" panose="02040503050406030204" pitchFamily="18" charset="0"/>
+                      </a:rPr>
+                      <m:t>𝑏</m:t>
+                    </m:r>
+                  </m:oMath>
+                </a14:m>
+                <a:r>
+                  <a:rPr kumimoji="1" lang="ja-JP" altLang="en-US"/>
+                  <a:t>は比較的容易に解ける</a:t>
+                </a:r>
+                <a:endParaRPr kumimoji="1" lang="en-US" altLang="ja-JP"/>
+              </a:p>
+              <a:p>
+                <a:pPr lvl="2"/>
+                <a14:m>
+                  <m:oMath xmlns:m="http://schemas.openxmlformats.org/officeDocument/2006/math">
+                    <m:r>
+                      <a:rPr kumimoji="1" lang="en-US" altLang="ja-JP" b="0" i="1" smtClean="0">
+                        <a:latin typeface="Cambria Math" panose="02040503050406030204" pitchFamily="18" charset="0"/>
+                      </a:rPr>
+                      <m:t>𝐴</m:t>
+                    </m:r>
+                  </m:oMath>
+                </a14:m>
+                <a:r>
+                  <a:rPr kumimoji="1" lang="ja-JP" altLang="en-US"/>
+                  <a:t>は行列</a:t>
+                </a:r>
+                <a:r>
+                  <a:rPr kumimoji="1" lang="en-US" altLang="ja-JP"/>
+                  <a:t>, </a:t>
+                </a:r>
+                <a14:m>
+                  <m:oMath xmlns:m="http://schemas.openxmlformats.org/officeDocument/2006/math">
+                    <m:r>
+                      <a:rPr kumimoji="1" lang="en-US" altLang="ja-JP" b="0" i="1" smtClean="0">
+                        <a:latin typeface="Cambria Math" panose="02040503050406030204" pitchFamily="18" charset="0"/>
+                      </a:rPr>
+                      <m:t>𝑏</m:t>
+                    </m:r>
+                  </m:oMath>
+                </a14:m>
+                <a:r>
+                  <a:rPr kumimoji="1" lang="ja-JP" altLang="en-US"/>
+                  <a:t>はベクトル</a:t>
+                </a:r>
+                <a:endParaRPr kumimoji="1" lang="en-US" altLang="ja-JP"/>
+              </a:p>
+              <a:p>
+                <a:pPr lvl="1"/>
+                <a:r>
+                  <a:rPr kumimoji="1" lang="ja-JP" altLang="en-US"/>
+                  <a:t>ノイズ</a:t>
+                </a:r>
+                <a14:m>
+                  <m:oMath xmlns:m="http://schemas.openxmlformats.org/officeDocument/2006/math">
+                    <m:r>
+                      <a:rPr kumimoji="1" lang="en-US" altLang="ja-JP" b="0" i="1" smtClean="0">
+                        <a:latin typeface="Cambria Math" panose="02040503050406030204" pitchFamily="18" charset="0"/>
+                      </a:rPr>
+                      <m:t>𝑒</m:t>
+                    </m:r>
+                  </m:oMath>
+                </a14:m>
+                <a:r>
+                  <a:rPr kumimoji="1" lang="ja-JP" altLang="en-US"/>
+                  <a:t>入りの方程式</a:t>
+                </a:r>
+                <a14:m>
+                  <m:oMath xmlns:m="http://schemas.openxmlformats.org/officeDocument/2006/math">
+                    <m:r>
+                      <a:rPr kumimoji="1" lang="en-US" altLang="ja-JP" b="0" i="1" smtClean="0">
+                        <a:latin typeface="Cambria Math" panose="02040503050406030204" pitchFamily="18" charset="0"/>
+                      </a:rPr>
+                      <m:t>𝐴𝑥</m:t>
+                    </m:r>
+                    <m:r>
+                      <a:rPr kumimoji="1" lang="en-US" altLang="ja-JP" b="0" i="1" smtClean="0">
+                        <a:latin typeface="Cambria Math" panose="02040503050406030204" pitchFamily="18" charset="0"/>
+                      </a:rPr>
+                      <m:t>+</m:t>
+                    </m:r>
+                    <m:r>
+                      <a:rPr kumimoji="1" lang="en-US" altLang="ja-JP" b="0" i="1" smtClean="0">
+                        <a:latin typeface="Cambria Math" panose="02040503050406030204" pitchFamily="18" charset="0"/>
+                      </a:rPr>
+                      <m:t>𝑒</m:t>
+                    </m:r>
+                    <m:r>
+                      <a:rPr kumimoji="1" lang="en-US" altLang="ja-JP" b="0" i="1" smtClean="0">
+                        <a:latin typeface="Cambria Math" panose="02040503050406030204" pitchFamily="18" charset="0"/>
+                      </a:rPr>
+                      <m:t>=</m:t>
+                    </m:r>
+                    <m:r>
+                      <a:rPr kumimoji="1" lang="en-US" altLang="ja-JP" b="0" i="1" smtClean="0">
+                        <a:latin typeface="Cambria Math" panose="02040503050406030204" pitchFamily="18" charset="0"/>
+                      </a:rPr>
+                      <m:t>𝑏</m:t>
+                    </m:r>
+                  </m:oMath>
+                </a14:m>
+                <a:r>
+                  <a:rPr kumimoji="1" lang="ja-JP" altLang="en-US"/>
+                  <a:t> </a:t>
+                </a:r>
+                <a:r>
+                  <a:rPr kumimoji="1" lang="en-US" altLang="ja-JP"/>
+                  <a:t>(</a:t>
+                </a:r>
+                <a14:m>
+                  <m:oMath xmlns:m="http://schemas.openxmlformats.org/officeDocument/2006/math">
+                    <m:r>
+                      <a:rPr kumimoji="1" lang="en-US" altLang="ja-JP" b="0" i="1" smtClean="0">
+                        <a:latin typeface="Cambria Math" panose="02040503050406030204" pitchFamily="18" charset="0"/>
+                      </a:rPr>
+                      <m:t>𝐴</m:t>
+                    </m:r>
+                    <m:r>
+                      <a:rPr kumimoji="1" lang="en-US" altLang="ja-JP" b="0" i="1" smtClean="0">
+                        <a:latin typeface="Cambria Math" panose="02040503050406030204" pitchFamily="18" charset="0"/>
+                      </a:rPr>
+                      <m:t>,</m:t>
+                    </m:r>
+                    <m:r>
+                      <a:rPr kumimoji="1" lang="en-US" altLang="ja-JP" b="0" i="1" smtClean="0">
+                        <a:latin typeface="Cambria Math" panose="02040503050406030204" pitchFamily="18" charset="0"/>
+                      </a:rPr>
+                      <m:t>𝑏</m:t>
+                    </m:r>
+                  </m:oMath>
+                </a14:m>
+                <a:r>
+                  <a:rPr kumimoji="1" lang="en-US" altLang="ja-JP"/>
+                  <a:t> : given)</a:t>
+                </a:r>
+                <a:r>
+                  <a:rPr kumimoji="1" lang="ja-JP" altLang="en-US"/>
+                  <a:t>から</a:t>
+                </a:r>
+                <a14:m>
+                  <m:oMath xmlns:m="http://schemas.openxmlformats.org/officeDocument/2006/math">
+                    <m:r>
+                      <a:rPr kumimoji="1" lang="en-US" altLang="ja-JP" b="0" i="1" smtClean="0">
+                        <a:latin typeface="Cambria Math" panose="02040503050406030204" pitchFamily="18" charset="0"/>
+                      </a:rPr>
+                      <m:t>𝑥</m:t>
+                    </m:r>
+                    <m:r>
+                      <a:rPr kumimoji="1" lang="en-US" altLang="ja-JP" b="0" i="1" smtClean="0">
+                        <a:latin typeface="Cambria Math" panose="02040503050406030204" pitchFamily="18" charset="0"/>
+                      </a:rPr>
+                      <m:t>,</m:t>
+                    </m:r>
+                    <m:r>
+                      <a:rPr kumimoji="1" lang="en-US" altLang="ja-JP" b="0" i="1" smtClean="0">
+                        <a:latin typeface="Cambria Math" panose="02040503050406030204" pitchFamily="18" charset="0"/>
+                      </a:rPr>
+                      <m:t>𝑒</m:t>
+                    </m:r>
+                  </m:oMath>
+                </a14:m>
+                <a:r>
+                  <a:rPr kumimoji="1" lang="ja-JP" altLang="en-US"/>
+                  <a:t>を求める</a:t>
+                </a:r>
+                <a:endParaRPr kumimoji="1" lang="en-US" altLang="ja-JP"/>
+              </a:p>
+              <a:p>
+                <a:pPr lvl="2"/>
+                <a:r>
+                  <a:rPr kumimoji="1" lang="ja-JP" altLang="en-US"/>
+                  <a:t>量子コンピュータを使っても難しいと考えられている</a:t>
+                </a:r>
+                <a:endParaRPr kumimoji="1" lang="en-US" altLang="ja-JP"/>
+              </a:p>
+              <a:p>
+                <a:r>
+                  <a:rPr kumimoji="1" lang="ja-JP" altLang="en-US"/>
+                  <a:t>同種写像</a:t>
+                </a:r>
+                <a:endParaRPr kumimoji="1" lang="en-US" altLang="ja-JP"/>
+              </a:p>
+              <a:p>
+                <a:pPr lvl="1"/>
+                <a:r>
+                  <a:rPr kumimoji="1" lang="ja-JP" altLang="en-US"/>
+                  <a:t>従来の</a:t>
+                </a:r>
+                <a:r>
+                  <a:rPr kumimoji="1" lang="en-US" altLang="ja-JP"/>
+                  <a:t>ECC</a:t>
+                </a:r>
+                <a:r>
+                  <a:rPr kumimoji="1" lang="ja-JP" altLang="en-US"/>
+                  <a:t>は楕円曲線</a:t>
+                </a:r>
+                <a14:m>
+                  <m:oMath xmlns:m="http://schemas.openxmlformats.org/officeDocument/2006/math">
+                    <m:r>
+                      <a:rPr kumimoji="1" lang="en-US" altLang="ja-JP" b="0" i="1" smtClean="0">
+                        <a:latin typeface="Cambria Math" panose="02040503050406030204" pitchFamily="18" charset="0"/>
+                      </a:rPr>
+                      <m:t>𝐸</m:t>
+                    </m:r>
+                  </m:oMath>
+                </a14:m>
+                <a:r>
+                  <a:rPr kumimoji="1" lang="ja-JP" altLang="en-US"/>
+                  <a:t>を一つ固定してその点を動かす</a:t>
+                </a:r>
+                <a:endParaRPr kumimoji="1" lang="en-US" altLang="ja-JP"/>
+              </a:p>
+              <a:p>
+                <a:pPr lvl="1"/>
+                <a:r>
+                  <a:rPr kumimoji="1" lang="ja-JP" altLang="en-US"/>
+                  <a:t>同種写像</a:t>
+                </a:r>
+                <a14:m>
+                  <m:oMath xmlns:m="http://schemas.openxmlformats.org/officeDocument/2006/math">
+                    <m:r>
+                      <a:rPr kumimoji="1" lang="en-US" altLang="ja-JP" b="0" i="1" smtClean="0">
+                        <a:latin typeface="Cambria Math" panose="02040503050406030204" pitchFamily="18" charset="0"/>
+                      </a:rPr>
+                      <m:t>𝐸</m:t>
+                    </m:r>
+                    <m:r>
+                      <a:rPr kumimoji="1" lang="en-US" altLang="ja-JP" b="0" i="1" smtClean="0">
+                        <a:latin typeface="Cambria Math" panose="02040503050406030204" pitchFamily="18" charset="0"/>
+                      </a:rPr>
+                      <m:t>→</m:t>
+                    </m:r>
+                    <m:r>
+                      <a:rPr kumimoji="1" lang="en-US" altLang="ja-JP" b="0" i="1" smtClean="0">
+                        <a:latin typeface="Cambria Math" panose="02040503050406030204" pitchFamily="18" charset="0"/>
+                      </a:rPr>
+                      <m:t>𝐸</m:t>
+                    </m:r>
+                    <m:r>
+                      <a:rPr kumimoji="1" lang="en-US" altLang="ja-JP" b="0" i="1" smtClean="0">
+                        <a:latin typeface="Cambria Math" panose="02040503050406030204" pitchFamily="18" charset="0"/>
+                      </a:rPr>
+                      <m:t>′</m:t>
+                    </m:r>
+                  </m:oMath>
+                </a14:m>
+                <a:r>
+                  <a:rPr kumimoji="1" lang="ja-JP" altLang="en-US"/>
+                  <a:t>は楕円曲線を動かす</a:t>
+                </a:r>
+                <a:endParaRPr kumimoji="1" lang="en-US" altLang="ja-JP"/>
+              </a:p>
+              <a:p>
+                <a:pPr lvl="1"/>
+                <a:endParaRPr kumimoji="1" lang="en-US" altLang="ja-JP"/>
+              </a:p>
+              <a:p>
+                <a:pPr lvl="1"/>
+                <a:r>
+                  <a:rPr kumimoji="1" lang="ja-JP" altLang="en-US"/>
+                  <a:t>耐量子暗号入門</a:t>
+                </a:r>
+                <a:r>
+                  <a:rPr kumimoji="1" lang="en-US" altLang="ja-JP"/>
+                  <a:t>I</a:t>
+                </a:r>
+              </a:p>
+              <a:p>
+                <a:pPr lvl="1"/>
+                <a:r>
+                  <a:rPr kumimoji="1" lang="en-US" altLang="ja-JP"/>
+                  <a:t>DH</a:t>
+                </a:r>
+                <a:r>
+                  <a:rPr kumimoji="1" lang="ja-JP" altLang="en-US"/>
+                  <a:t>鍵共有の類似</a:t>
+                </a:r>
+                <a:br>
+                  <a:rPr kumimoji="1" lang="en-US" altLang="ja-JP"/>
+                </a:br>
+                <a:r>
+                  <a:rPr kumimoji="1" lang="en-US" altLang="ja-JP">
+                    <a:hlinkClick r:id="rId3"/>
+                  </a:rPr>
+                  <a:t>https://ankokudan.org/d/d.htm?detail250-detailread-m.html</a:t>
+                </a:r>
+                <a:endParaRPr kumimoji="1" lang="en-US" altLang="ja-JP"/>
+              </a:p>
+              <a:p>
+                <a:pPr lvl="1"/>
+                <a:endParaRPr kumimoji="1" lang="ja-JP" altLang="en-US"/>
+              </a:p>
+            </p:txBody>
+          </p:sp>
+        </mc:Choice>
+        <mc:Fallback>
+          <p:sp>
+            <p:nvSpPr>
+              <p:cNvPr id="2" name="コンテンツ プレースホルダー 1">
+                <a:extLst>
+                  <a:ext uri="{FF2B5EF4-FFF2-40B4-BE49-F238E27FC236}">
+                    <a16:creationId xmlns:a16="http://schemas.microsoft.com/office/drawing/2014/main" id="{2CE4DB42-6750-45E1-84E2-B626A3C5EFAB}"/>
+                  </a:ext>
+                </a:extLst>
+              </p:cNvPr>
+              <p:cNvSpPr>
+                <a:spLocks noGrp="1" noRot="1" noChangeAspect="1" noMove="1" noResize="1" noEditPoints="1" noAdjustHandles="1" noChangeArrowheads="1" noChangeShapeType="1" noTextEdit="1"/>
+              </p:cNvSpPr>
+              <p:nvPr>
+                <p:ph idx="1"/>
+              </p:nvPr>
+            </p:nvSpPr>
+            <p:spPr>
+              <a:blipFill>
+                <a:blip r:embed="rId4"/>
+                <a:stretch>
+                  <a:fillRect l="-1200" t="-1142" b="-3427"/>
+                </a:stretch>
+              </a:blipFill>
+            </p:spPr>
+            <p:txBody>
+              <a:bodyPr/>
+              <a:lstStyle/>
+              <a:p>
+                <a:r>
+                  <a:rPr lang="ja-JP" altLang="en-US">
+                    <a:noFill/>
+                  </a:rPr>
+                  <a:t> </a:t>
+                </a:r>
+              </a:p>
+            </p:txBody>
+          </p:sp>
+        </mc:Fallback>
+      </mc:AlternateContent>
+      <p:sp>
+        <p:nvSpPr>
+          <p:cNvPr id="4" name="タイトル 3">
+            <a:extLst>
+              <a:ext uri="{FF2B5EF4-FFF2-40B4-BE49-F238E27FC236}">
+                <a16:creationId xmlns:a16="http://schemas.microsoft.com/office/drawing/2014/main" id="{CEECE672-2C11-4A5A-BC60-B755A4FD6F64}"/>
+              </a:ext>
+            </a:extLst>
+          </p:cNvPr>
+          <p:cNvSpPr>
+            <a:spLocks noGrp="1"/>
+          </p:cNvSpPr>
+          <p:nvPr>
+            <p:ph type="title"/>
+          </p:nvPr>
+        </p:nvSpPr>
+        <p:spPr/>
+        <p:txBody>
+          <a:bodyPr/>
+          <a:lstStyle/>
+          <a:p>
+            <a:r>
+              <a:rPr lang="en-US" altLang="ja-JP"/>
+              <a:t>PQC</a:t>
+            </a:r>
+            <a:endParaRPr kumimoji="1" lang="ja-JP" altLang="en-US"/>
+          </a:p>
+        </p:txBody>
+      </p:sp>
+      <p:sp>
+        <p:nvSpPr>
+          <p:cNvPr id="7" name="スライド番号プレースホルダー 6">
+            <a:extLst>
+              <a:ext uri="{FF2B5EF4-FFF2-40B4-BE49-F238E27FC236}">
+                <a16:creationId xmlns:a16="http://schemas.microsoft.com/office/drawing/2014/main" id="{9167A11B-932C-45EB-98BF-F0DF497F0B49}"/>
+              </a:ext>
+            </a:extLst>
+          </p:cNvPr>
+          <p:cNvSpPr>
+            <a:spLocks noGrp="1"/>
+          </p:cNvSpPr>
+          <p:nvPr>
+            <p:ph type="sldNum" sz="quarter" idx="12"/>
+          </p:nvPr>
+        </p:nvSpPr>
+        <p:spPr/>
+        <p:txBody>
+          <a:bodyPr/>
+          <a:lstStyle/>
+          <a:p>
+            <a:pPr>
+              <a:defRPr/>
+            </a:pPr>
+            <a:r>
+              <a:rPr lang="en-US" altLang="ja-JP"/>
+              <a:t>    </a:t>
+            </a:r>
+            <a:fld id="{B2782DEB-472A-4FE5-AC34-C17109CF5A91}" type="slidenum">
+              <a:rPr lang="en-US" altLang="ja-JP" smtClean="0"/>
+              <a:pPr>
+                <a:defRPr/>
+              </a:pPr>
+              <a:t>24</a:t>
+            </a:fld>
+            <a:r>
+              <a:rPr lang="en-US" altLang="ja-JP"/>
+              <a:t> / 25</a:t>
+            </a:r>
+          </a:p>
+        </p:txBody>
+      </p:sp>
+    </p:spTree>
+    <p:extLst>
+      <p:ext uri="{BB962C8B-B14F-4D97-AF65-F5344CB8AC3E}">
+        <p14:creationId xmlns:p14="http://schemas.microsoft.com/office/powerpoint/2010/main" val="1286671814"/>
+      </p:ext>
+    </p:extLst>
+  </p:cSld>
+  <p:clrMapOvr>
+    <a:masterClrMapping/>
+  </p:clrMapOvr>
+</p:sld>
+</file>
+
+<file path=ppt/slides/slide25.xml><?xml version="1.0" encoding="utf-8"?>
+<p:sld xmlns:a="http://schemas.openxmlformats.org/drawingml/2006/main" xmlns:r="http://schemas.openxmlformats.org/officeDocument/2006/relationships" xmlns:p="http://schemas.openxmlformats.org/presentationml/2006/main">
+  <p:cSld>
+    <p:spTree>
+      <p:nvGrpSpPr>
+        <p:cNvPr id="1" name=""/>
+        <p:cNvGrpSpPr/>
+        <p:nvPr/>
+      </p:nvGrpSpPr>
+      <p:grpSpPr>
+        <a:xfrm>
+          <a:off x="0" y="0"/>
+          <a:ext cx="0" cy="0"/>
+          <a:chOff x="0" y="0"/>
+          <a:chExt cx="0" cy="0"/>
+        </a:xfrm>
+      </p:grpSpPr>
+      <p:sp>
+        <p:nvSpPr>
+          <p:cNvPr id="2" name="コンテンツ プレースホルダー 1">
+            <a:extLst>
+              <a:ext uri="{FF2B5EF4-FFF2-40B4-BE49-F238E27FC236}">
+                <a16:creationId xmlns:a16="http://schemas.microsoft.com/office/drawing/2014/main" id="{71FA8F6D-F82D-43FA-A3BC-37F74A89DFE8}"/>
+              </a:ext>
+            </a:extLst>
+          </p:cNvPr>
+          <p:cNvSpPr>
+            <a:spLocks noGrp="1"/>
+          </p:cNvSpPr>
+          <p:nvPr>
+            <p:ph idx="1"/>
+          </p:nvPr>
+        </p:nvSpPr>
+        <p:spPr/>
+        <p:txBody>
+          <a:bodyPr/>
+          <a:lstStyle/>
+          <a:p>
+            <a:r>
+              <a:rPr kumimoji="1" lang="en-US" altLang="ja-JP"/>
+              <a:t>Quantum technology and its impact on security in mobile networks</a:t>
+            </a:r>
+          </a:p>
+          <a:p>
+            <a:pPr lvl="1"/>
+            <a:r>
+              <a:rPr kumimoji="1" lang="en-US" altLang="ja-JP">
+                <a:hlinkClick r:id="rId2"/>
+              </a:rPr>
+              <a:t>https://www.ericsson.com/en/reports-and-papers/ericsson-technology-review/articles/ensuring-security-in-mobile-networks-post-quantum</a:t>
+            </a:r>
+            <a:endParaRPr lang="en-US" altLang="ja-JP"/>
+          </a:p>
+          <a:p>
+            <a:pPr lvl="1"/>
+            <a:endParaRPr kumimoji="1" lang="ja-JP" altLang="en-US"/>
+          </a:p>
+        </p:txBody>
+      </p:sp>
+      <p:sp>
+        <p:nvSpPr>
+          <p:cNvPr id="4" name="タイトル 3">
+            <a:extLst>
+              <a:ext uri="{FF2B5EF4-FFF2-40B4-BE49-F238E27FC236}">
+                <a16:creationId xmlns:a16="http://schemas.microsoft.com/office/drawing/2014/main" id="{29F6FF69-771A-4B16-9CA8-7D9B04838ED6}"/>
+              </a:ext>
+            </a:extLst>
+          </p:cNvPr>
+          <p:cNvSpPr>
+            <a:spLocks noGrp="1"/>
+          </p:cNvSpPr>
+          <p:nvPr>
+            <p:ph type="title"/>
+          </p:nvPr>
+        </p:nvSpPr>
+        <p:spPr/>
+        <p:txBody>
+          <a:bodyPr/>
+          <a:lstStyle/>
+          <a:p>
+            <a:r>
+              <a:rPr kumimoji="1" lang="en-US" altLang="ja-JP"/>
+              <a:t>PQC</a:t>
+            </a:r>
+            <a:r>
+              <a:rPr kumimoji="1" lang="ja-JP" altLang="en-US"/>
+              <a:t>候補の比較</a:t>
+            </a:r>
+          </a:p>
+        </p:txBody>
+      </p:sp>
+      <p:pic>
+        <p:nvPicPr>
+          <p:cNvPr id="8" name="図 7">
+            <a:extLst>
+              <a:ext uri="{FF2B5EF4-FFF2-40B4-BE49-F238E27FC236}">
+                <a16:creationId xmlns:a16="http://schemas.microsoft.com/office/drawing/2014/main" id="{B68A1DBE-3B7F-4B52-A0EE-F6168F00484E}"/>
+              </a:ext>
+            </a:extLst>
+          </p:cNvPr>
+          <p:cNvPicPr>
+            <a:picLocks noChangeAspect="1"/>
+          </p:cNvPicPr>
+          <p:nvPr/>
+        </p:nvPicPr>
+        <p:blipFill>
+          <a:blip r:embed="rId3"/>
+          <a:stretch>
+            <a:fillRect/>
+          </a:stretch>
+        </p:blipFill>
+        <p:spPr>
+          <a:xfrm>
+            <a:off x="323528" y="2875016"/>
+            <a:ext cx="7848872" cy="3807724"/>
+          </a:xfrm>
+          <a:prstGeom prst="rect">
+            <a:avLst/>
+          </a:prstGeom>
+        </p:spPr>
+      </p:pic>
+      <p:sp>
+        <p:nvSpPr>
+          <p:cNvPr id="9" name="スライド番号プレースホルダー 8">
+            <a:extLst>
+              <a:ext uri="{FF2B5EF4-FFF2-40B4-BE49-F238E27FC236}">
+                <a16:creationId xmlns:a16="http://schemas.microsoft.com/office/drawing/2014/main" id="{96CCD075-82B2-4129-9BA7-8DF41C6EA274}"/>
+              </a:ext>
+            </a:extLst>
+          </p:cNvPr>
+          <p:cNvSpPr>
+            <a:spLocks noGrp="1"/>
+          </p:cNvSpPr>
+          <p:nvPr>
+            <p:ph type="sldNum" sz="quarter" idx="12"/>
+          </p:nvPr>
+        </p:nvSpPr>
+        <p:spPr/>
+        <p:txBody>
+          <a:bodyPr/>
+          <a:lstStyle/>
+          <a:p>
+            <a:pPr>
+              <a:defRPr/>
+            </a:pPr>
+            <a:r>
+              <a:rPr lang="en-US" altLang="ja-JP"/>
+              <a:t>    </a:t>
+            </a:r>
+            <a:fld id="{B2782DEB-472A-4FE5-AC34-C17109CF5A91}" type="slidenum">
+              <a:rPr lang="en-US" altLang="ja-JP" smtClean="0"/>
+              <a:pPr>
+                <a:defRPr/>
+              </a:pPr>
+              <a:t>25</a:t>
+            </a:fld>
+            <a:r>
+              <a:rPr lang="en-US" altLang="ja-JP"/>
+              <a:t> / 25</a:t>
+            </a:r>
+          </a:p>
+        </p:txBody>
+      </p:sp>
+    </p:spTree>
+    <p:extLst>
+      <p:ext uri="{BB962C8B-B14F-4D97-AF65-F5344CB8AC3E}">
+        <p14:creationId xmlns:p14="http://schemas.microsoft.com/office/powerpoint/2010/main" val="946076841"/>
       </p:ext>
     </p:extLst>
   </p:cSld>
@@ -11480,48 +13554,6 @@
       </mc:AlternateContent>
       <p:sp>
         <p:nvSpPr>
-          <p:cNvPr id="3" name="スライド番号プレースホルダー 2">
-            <a:extLst>
-              <a:ext uri="{FF2B5EF4-FFF2-40B4-BE49-F238E27FC236}">
-                <a16:creationId xmlns:a16="http://schemas.microsoft.com/office/drawing/2014/main" id="{BCCEF069-188B-4160-93DC-81F68A85A9B1}"/>
-              </a:ext>
-            </a:extLst>
-          </p:cNvPr>
-          <p:cNvSpPr>
-            <a:spLocks noGrp="1"/>
-          </p:cNvSpPr>
-          <p:nvPr>
-            <p:ph type="sldNum" sz="quarter" idx="12"/>
-          </p:nvPr>
-        </p:nvSpPr>
-        <p:spPr/>
-        <p:txBody>
-          <a:bodyPr/>
-          <a:lstStyle/>
-          <a:p>
-            <a:pPr>
-              <a:defRPr/>
-            </a:pPr>
-            <a:r>
-              <a:rPr lang="en-US" altLang="ja-JP"/>
-              <a:t>    </a:t>
-            </a:r>
-            <a:fld id="{B2782DEB-472A-4FE5-AC34-C17109CF5A91}" type="slidenum">
-              <a:rPr lang="en-US" altLang="ja-JP" smtClean="0"/>
-              <a:pPr>
-                <a:defRPr/>
-              </a:pPr>
-              <a:t>3</a:t>
-            </a:fld>
-            <a:r>
-              <a:rPr lang="en-US" altLang="ja-JP"/>
-              <a:t> / 24</a:t>
-            </a:r>
-          </a:p>
-        </p:txBody>
-      </p:sp>
-      <p:sp>
-        <p:nvSpPr>
           <p:cNvPr id="4" name="タイトル 3">
             <a:extLst>
               <a:ext uri="{FF2B5EF4-FFF2-40B4-BE49-F238E27FC236}">
@@ -11546,6 +13578,48 @@
               <a:t>ZKP(Zero Knowledge Proof)</a:t>
             </a:r>
             <a:endParaRPr kumimoji="1" lang="ja-JP" altLang="en-US"/>
+          </a:p>
+        </p:txBody>
+      </p:sp>
+      <p:sp>
+        <p:nvSpPr>
+          <p:cNvPr id="5" name="スライド番号プレースホルダー 4">
+            <a:extLst>
+              <a:ext uri="{FF2B5EF4-FFF2-40B4-BE49-F238E27FC236}">
+                <a16:creationId xmlns:a16="http://schemas.microsoft.com/office/drawing/2014/main" id="{0C317CC9-7BF6-4E2C-A1AC-903673D43406}"/>
+              </a:ext>
+            </a:extLst>
+          </p:cNvPr>
+          <p:cNvSpPr>
+            <a:spLocks noGrp="1"/>
+          </p:cNvSpPr>
+          <p:nvPr>
+            <p:ph type="sldNum" sz="quarter" idx="12"/>
+          </p:nvPr>
+        </p:nvSpPr>
+        <p:spPr/>
+        <p:txBody>
+          <a:bodyPr/>
+          <a:lstStyle/>
+          <a:p>
+            <a:pPr>
+              <a:defRPr/>
+            </a:pPr>
+            <a:r>
+              <a:rPr lang="en-US" altLang="ja-JP"/>
+              <a:t>    </a:t>
+            </a:r>
+            <a:fld id="{B2782DEB-472A-4FE5-AC34-C17109CF5A91}" type="slidenum">
+              <a:rPr lang="en-US" altLang="ja-JP" smtClean="0"/>
+              <a:pPr>
+                <a:defRPr/>
+              </a:pPr>
+              <a:t>3</a:t>
+            </a:fld>
+            <a:r>
+              <a:rPr lang="en-US" altLang="ja-JP"/>
+              <a:t> / 25</a:t>
+            </a:r>
           </a:p>
         </p:txBody>
       </p:sp>
@@ -11795,48 +13869,6 @@
           </p:sp>
         </mc:Fallback>
       </mc:AlternateContent>
-      <p:sp>
-        <p:nvSpPr>
-          <p:cNvPr id="3" name="スライド番号プレースホルダー 2">
-            <a:extLst>
-              <a:ext uri="{FF2B5EF4-FFF2-40B4-BE49-F238E27FC236}">
-                <a16:creationId xmlns:a16="http://schemas.microsoft.com/office/drawing/2014/main" id="{475C68C4-D389-4B74-AC18-335B8E030CEE}"/>
-              </a:ext>
-            </a:extLst>
-          </p:cNvPr>
-          <p:cNvSpPr>
-            <a:spLocks noGrp="1"/>
-          </p:cNvSpPr>
-          <p:nvPr>
-            <p:ph type="sldNum" sz="quarter" idx="12"/>
-          </p:nvPr>
-        </p:nvSpPr>
-        <p:spPr/>
-        <p:txBody>
-          <a:bodyPr/>
-          <a:lstStyle/>
-          <a:p>
-            <a:pPr>
-              <a:defRPr/>
-            </a:pPr>
-            <a:r>
-              <a:rPr lang="en-US" altLang="ja-JP"/>
-              <a:t>    </a:t>
-            </a:r>
-            <a:fld id="{B2782DEB-472A-4FE5-AC34-C17109CF5A91}" type="slidenum">
-              <a:rPr lang="en-US" altLang="ja-JP" smtClean="0"/>
-              <a:pPr>
-                <a:defRPr/>
-              </a:pPr>
-              <a:t>4</a:t>
-            </a:fld>
-            <a:r>
-              <a:rPr lang="en-US" altLang="ja-JP"/>
-              <a:t> / 24</a:t>
-            </a:r>
-          </a:p>
-        </p:txBody>
-      </p:sp>
       <p:sp>
         <p:nvSpPr>
           <p:cNvPr id="4" name="タイトル 3">
@@ -12259,6 +14291,48 @@
           </p:sp>
         </mc:Fallback>
       </mc:AlternateContent>
+      <p:sp>
+        <p:nvSpPr>
+          <p:cNvPr id="5" name="スライド番号プレースホルダー 4">
+            <a:extLst>
+              <a:ext uri="{FF2B5EF4-FFF2-40B4-BE49-F238E27FC236}">
+                <a16:creationId xmlns:a16="http://schemas.microsoft.com/office/drawing/2014/main" id="{88C758C5-E00A-4503-BBB0-C6D1FE694945}"/>
+              </a:ext>
+            </a:extLst>
+          </p:cNvPr>
+          <p:cNvSpPr>
+            <a:spLocks noGrp="1"/>
+          </p:cNvSpPr>
+          <p:nvPr>
+            <p:ph type="sldNum" sz="quarter" idx="12"/>
+          </p:nvPr>
+        </p:nvSpPr>
+        <p:spPr/>
+        <p:txBody>
+          <a:bodyPr/>
+          <a:lstStyle/>
+          <a:p>
+            <a:pPr>
+              <a:defRPr/>
+            </a:pPr>
+            <a:r>
+              <a:rPr lang="en-US" altLang="ja-JP"/>
+              <a:t>    </a:t>
+            </a:r>
+            <a:fld id="{B2782DEB-472A-4FE5-AC34-C17109CF5A91}" type="slidenum">
+              <a:rPr lang="en-US" altLang="ja-JP" smtClean="0"/>
+              <a:pPr>
+                <a:defRPr/>
+              </a:pPr>
+              <a:t>4</a:t>
+            </a:fld>
+            <a:r>
+              <a:rPr lang="en-US" altLang="ja-JP"/>
+              <a:t> / 25</a:t>
+            </a:r>
+          </a:p>
+        </p:txBody>
+      </p:sp>
     </p:spTree>
     <p:extLst>
       <p:ext uri="{BB962C8B-B14F-4D97-AF65-F5344CB8AC3E}">
@@ -12496,48 +14570,6 @@
       </p:sp>
       <p:sp>
         <p:nvSpPr>
-          <p:cNvPr id="3" name="スライド番号プレースホルダー 2">
-            <a:extLst>
-              <a:ext uri="{FF2B5EF4-FFF2-40B4-BE49-F238E27FC236}">
-                <a16:creationId xmlns:a16="http://schemas.microsoft.com/office/drawing/2014/main" id="{0FEF72C4-937B-4BDE-B1C7-227DA710D58F}"/>
-              </a:ext>
-            </a:extLst>
-          </p:cNvPr>
-          <p:cNvSpPr>
-            <a:spLocks noGrp="1"/>
-          </p:cNvSpPr>
-          <p:nvPr>
-            <p:ph type="sldNum" sz="quarter" idx="12"/>
-          </p:nvPr>
-        </p:nvSpPr>
-        <p:spPr/>
-        <p:txBody>
-          <a:bodyPr/>
-          <a:lstStyle/>
-          <a:p>
-            <a:pPr>
-              <a:defRPr/>
-            </a:pPr>
-            <a:r>
-              <a:rPr lang="en-US" altLang="ja-JP"/>
-              <a:t>    </a:t>
-            </a:r>
-            <a:fld id="{B2782DEB-472A-4FE5-AC34-C17109CF5A91}" type="slidenum">
-              <a:rPr lang="en-US" altLang="ja-JP" smtClean="0"/>
-              <a:pPr>
-                <a:defRPr/>
-              </a:pPr>
-              <a:t>5</a:t>
-            </a:fld>
-            <a:r>
-              <a:rPr lang="en-US" altLang="ja-JP"/>
-              <a:t> / 24</a:t>
-            </a:r>
-          </a:p>
-        </p:txBody>
-      </p:sp>
-      <p:sp>
-        <p:nvSpPr>
           <p:cNvPr id="4" name="タイトル 3">
             <a:extLst>
               <a:ext uri="{FF2B5EF4-FFF2-40B4-BE49-F238E27FC236}">
@@ -12560,6 +14592,48 @@
             <a:r>
               <a:rPr kumimoji="1" lang="ja-JP" altLang="en-US"/>
               <a:t>ゼロ知識性</a:t>
+            </a:r>
+          </a:p>
+        </p:txBody>
+      </p:sp>
+      <p:sp>
+        <p:nvSpPr>
+          <p:cNvPr id="5" name="スライド番号プレースホルダー 4">
+            <a:extLst>
+              <a:ext uri="{FF2B5EF4-FFF2-40B4-BE49-F238E27FC236}">
+                <a16:creationId xmlns:a16="http://schemas.microsoft.com/office/drawing/2014/main" id="{0EE60CB7-272C-4FFF-9C1A-935D9844E209}"/>
+              </a:ext>
+            </a:extLst>
+          </p:cNvPr>
+          <p:cNvSpPr>
+            <a:spLocks noGrp="1"/>
+          </p:cNvSpPr>
+          <p:nvPr>
+            <p:ph type="sldNum" sz="quarter" idx="12"/>
+          </p:nvPr>
+        </p:nvSpPr>
+        <p:spPr/>
+        <p:txBody>
+          <a:bodyPr/>
+          <a:lstStyle/>
+          <a:p>
+            <a:pPr>
+              <a:defRPr/>
+            </a:pPr>
+            <a:r>
+              <a:rPr lang="en-US" altLang="ja-JP"/>
+              <a:t>    </a:t>
+            </a:r>
+            <a:fld id="{B2782DEB-472A-4FE5-AC34-C17109CF5A91}" type="slidenum">
+              <a:rPr lang="en-US" altLang="ja-JP" smtClean="0"/>
+              <a:pPr>
+                <a:defRPr/>
+              </a:pPr>
+              <a:t>5</a:t>
+            </a:fld>
+            <a:r>
+              <a:rPr lang="en-US" altLang="ja-JP"/>
+              <a:t> / 25</a:t>
             </a:r>
           </a:p>
         </p:txBody>
@@ -12896,48 +14970,6 @@
       </mc:AlternateContent>
       <p:sp>
         <p:nvSpPr>
-          <p:cNvPr id="3" name="スライド番号プレースホルダー 2">
-            <a:extLst>
-              <a:ext uri="{FF2B5EF4-FFF2-40B4-BE49-F238E27FC236}">
-                <a16:creationId xmlns:a16="http://schemas.microsoft.com/office/drawing/2014/main" id="{FF9BE1AF-A5AB-4EF7-9E44-29B2EB83E24E}"/>
-              </a:ext>
-            </a:extLst>
-          </p:cNvPr>
-          <p:cNvSpPr>
-            <a:spLocks noGrp="1"/>
-          </p:cNvSpPr>
-          <p:nvPr>
-            <p:ph type="sldNum" sz="quarter" idx="12"/>
-          </p:nvPr>
-        </p:nvSpPr>
-        <p:spPr/>
-        <p:txBody>
-          <a:bodyPr/>
-          <a:lstStyle/>
-          <a:p>
-            <a:pPr>
-              <a:defRPr/>
-            </a:pPr>
-            <a:r>
-              <a:rPr lang="en-US" altLang="ja-JP"/>
-              <a:t>    </a:t>
-            </a:r>
-            <a:fld id="{B2782DEB-472A-4FE5-AC34-C17109CF5A91}" type="slidenum">
-              <a:rPr lang="en-US" altLang="ja-JP" smtClean="0"/>
-              <a:pPr>
-                <a:defRPr/>
-              </a:pPr>
-              <a:t>6</a:t>
-            </a:fld>
-            <a:r>
-              <a:rPr lang="en-US" altLang="ja-JP"/>
-              <a:t> / 24</a:t>
-            </a:r>
-          </a:p>
-        </p:txBody>
-      </p:sp>
-      <p:sp>
-        <p:nvSpPr>
           <p:cNvPr id="4" name="タイトル 3">
             <a:extLst>
               <a:ext uri="{FF2B5EF4-FFF2-40B4-BE49-F238E27FC236}">
@@ -13000,6 +15032,48 @@
           </a:prstGeom>
         </p:spPr>
       </p:pic>
+      <p:sp>
+        <p:nvSpPr>
+          <p:cNvPr id="5" name="スライド番号プレースホルダー 4">
+            <a:extLst>
+              <a:ext uri="{FF2B5EF4-FFF2-40B4-BE49-F238E27FC236}">
+                <a16:creationId xmlns:a16="http://schemas.microsoft.com/office/drawing/2014/main" id="{21556597-1E50-4873-B418-3729AF9AFF70}"/>
+              </a:ext>
+            </a:extLst>
+          </p:cNvPr>
+          <p:cNvSpPr>
+            <a:spLocks noGrp="1"/>
+          </p:cNvSpPr>
+          <p:nvPr>
+            <p:ph type="sldNum" sz="quarter" idx="12"/>
+          </p:nvPr>
+        </p:nvSpPr>
+        <p:spPr/>
+        <p:txBody>
+          <a:bodyPr/>
+          <a:lstStyle/>
+          <a:p>
+            <a:pPr>
+              <a:defRPr/>
+            </a:pPr>
+            <a:r>
+              <a:rPr lang="en-US" altLang="ja-JP"/>
+              <a:t>    </a:t>
+            </a:r>
+            <a:fld id="{B2782DEB-472A-4FE5-AC34-C17109CF5A91}" type="slidenum">
+              <a:rPr lang="en-US" altLang="ja-JP" smtClean="0"/>
+              <a:pPr>
+                <a:defRPr/>
+              </a:pPr>
+              <a:t>6</a:t>
+            </a:fld>
+            <a:r>
+              <a:rPr lang="en-US" altLang="ja-JP"/>
+              <a:t> / 25</a:t>
+            </a:r>
+          </a:p>
+        </p:txBody>
+      </p:sp>
     </p:spTree>
     <p:extLst>
       <p:ext uri="{BB962C8B-B14F-4D97-AF65-F5344CB8AC3E}">
@@ -13207,48 +15281,6 @@
       </p:sp>
       <p:sp>
         <p:nvSpPr>
-          <p:cNvPr id="3" name="スライド番号プレースホルダー 2">
-            <a:extLst>
-              <a:ext uri="{FF2B5EF4-FFF2-40B4-BE49-F238E27FC236}">
-                <a16:creationId xmlns:a16="http://schemas.microsoft.com/office/drawing/2014/main" id="{7500F238-DD1E-4C5C-9EB4-83097B25F8A6}"/>
-              </a:ext>
-            </a:extLst>
-          </p:cNvPr>
-          <p:cNvSpPr>
-            <a:spLocks noGrp="1"/>
-          </p:cNvSpPr>
-          <p:nvPr>
-            <p:ph type="sldNum" sz="quarter" idx="12"/>
-          </p:nvPr>
-        </p:nvSpPr>
-        <p:spPr/>
-        <p:txBody>
-          <a:bodyPr/>
-          <a:lstStyle/>
-          <a:p>
-            <a:pPr>
-              <a:defRPr/>
-            </a:pPr>
-            <a:r>
-              <a:rPr lang="en-US" altLang="ja-JP"/>
-              <a:t>    </a:t>
-            </a:r>
-            <a:fld id="{B2782DEB-472A-4FE5-AC34-C17109CF5A91}" type="slidenum">
-              <a:rPr lang="en-US" altLang="ja-JP" smtClean="0"/>
-              <a:pPr>
-                <a:defRPr/>
-              </a:pPr>
-              <a:t>7</a:t>
-            </a:fld>
-            <a:r>
-              <a:rPr lang="en-US" altLang="ja-JP"/>
-              <a:t> / 24</a:t>
-            </a:r>
-          </a:p>
-        </p:txBody>
-      </p:sp>
-      <p:sp>
-        <p:nvSpPr>
           <p:cNvPr id="4" name="タイトル 3">
             <a:extLst>
               <a:ext uri="{FF2B5EF4-FFF2-40B4-BE49-F238E27FC236}">
@@ -13315,6 +15347,48 @@
           </a:prstGeom>
         </p:spPr>
       </p:pic>
+      <p:sp>
+        <p:nvSpPr>
+          <p:cNvPr id="5" name="スライド番号プレースホルダー 4">
+            <a:extLst>
+              <a:ext uri="{FF2B5EF4-FFF2-40B4-BE49-F238E27FC236}">
+                <a16:creationId xmlns:a16="http://schemas.microsoft.com/office/drawing/2014/main" id="{CB34A155-9309-4280-89BE-43C105DA83FE}"/>
+              </a:ext>
+            </a:extLst>
+          </p:cNvPr>
+          <p:cNvSpPr>
+            <a:spLocks noGrp="1"/>
+          </p:cNvSpPr>
+          <p:nvPr>
+            <p:ph type="sldNum" sz="quarter" idx="12"/>
+          </p:nvPr>
+        </p:nvSpPr>
+        <p:spPr/>
+        <p:txBody>
+          <a:bodyPr/>
+          <a:lstStyle/>
+          <a:p>
+            <a:pPr>
+              <a:defRPr/>
+            </a:pPr>
+            <a:r>
+              <a:rPr lang="en-US" altLang="ja-JP"/>
+              <a:t>    </a:t>
+            </a:r>
+            <a:fld id="{B2782DEB-472A-4FE5-AC34-C17109CF5A91}" type="slidenum">
+              <a:rPr lang="en-US" altLang="ja-JP" smtClean="0"/>
+              <a:pPr>
+                <a:defRPr/>
+              </a:pPr>
+              <a:t>7</a:t>
+            </a:fld>
+            <a:r>
+              <a:rPr lang="en-US" altLang="ja-JP"/>
+              <a:t> / 25</a:t>
+            </a:r>
+          </a:p>
+        </p:txBody>
+      </p:sp>
     </p:spTree>
     <p:extLst>
       <p:ext uri="{BB962C8B-B14F-4D97-AF65-F5344CB8AC3E}">
@@ -13489,48 +15563,6 @@
       </p:sp>
       <p:sp>
         <p:nvSpPr>
-          <p:cNvPr id="3" name="スライド番号プレースホルダー 2">
-            <a:extLst>
-              <a:ext uri="{FF2B5EF4-FFF2-40B4-BE49-F238E27FC236}">
-                <a16:creationId xmlns:a16="http://schemas.microsoft.com/office/drawing/2014/main" id="{F4580257-43EA-4B77-8E37-22928715A4D6}"/>
-              </a:ext>
-            </a:extLst>
-          </p:cNvPr>
-          <p:cNvSpPr>
-            <a:spLocks noGrp="1"/>
-          </p:cNvSpPr>
-          <p:nvPr>
-            <p:ph type="sldNum" sz="quarter" idx="12"/>
-          </p:nvPr>
-        </p:nvSpPr>
-        <p:spPr/>
-        <p:txBody>
-          <a:bodyPr/>
-          <a:lstStyle/>
-          <a:p>
-            <a:pPr>
-              <a:defRPr/>
-            </a:pPr>
-            <a:r>
-              <a:rPr lang="en-US" altLang="ja-JP"/>
-              <a:t>    </a:t>
-            </a:r>
-            <a:fld id="{B2782DEB-472A-4FE5-AC34-C17109CF5A91}" type="slidenum">
-              <a:rPr lang="en-US" altLang="ja-JP" smtClean="0"/>
-              <a:pPr>
-                <a:defRPr/>
-              </a:pPr>
-              <a:t>8</a:t>
-            </a:fld>
-            <a:r>
-              <a:rPr lang="en-US" altLang="ja-JP"/>
-              <a:t> / 24</a:t>
-            </a:r>
-          </a:p>
-        </p:txBody>
-      </p:sp>
-      <p:sp>
-        <p:nvSpPr>
           <p:cNvPr id="4" name="タイトル 3">
             <a:extLst>
               <a:ext uri="{FF2B5EF4-FFF2-40B4-BE49-F238E27FC236}">
@@ -13555,6 +15587,48 @@
               <a:t>zk-SNARK</a:t>
             </a:r>
             <a:endParaRPr kumimoji="1" lang="ja-JP" altLang="en-US"/>
+          </a:p>
+        </p:txBody>
+      </p:sp>
+      <p:sp>
+        <p:nvSpPr>
+          <p:cNvPr id="5" name="スライド番号プレースホルダー 4">
+            <a:extLst>
+              <a:ext uri="{FF2B5EF4-FFF2-40B4-BE49-F238E27FC236}">
+                <a16:creationId xmlns:a16="http://schemas.microsoft.com/office/drawing/2014/main" id="{882C3651-ECD9-4044-B2FE-B8E26CC5546A}"/>
+              </a:ext>
+            </a:extLst>
+          </p:cNvPr>
+          <p:cNvSpPr>
+            <a:spLocks noGrp="1"/>
+          </p:cNvSpPr>
+          <p:nvPr>
+            <p:ph type="sldNum" sz="quarter" idx="12"/>
+          </p:nvPr>
+        </p:nvSpPr>
+        <p:spPr/>
+        <p:txBody>
+          <a:bodyPr/>
+          <a:lstStyle/>
+          <a:p>
+            <a:pPr>
+              <a:defRPr/>
+            </a:pPr>
+            <a:r>
+              <a:rPr lang="en-US" altLang="ja-JP"/>
+              <a:t>    </a:t>
+            </a:r>
+            <a:fld id="{B2782DEB-472A-4FE5-AC34-C17109CF5A91}" type="slidenum">
+              <a:rPr lang="en-US" altLang="ja-JP" smtClean="0"/>
+              <a:pPr>
+                <a:defRPr/>
+              </a:pPr>
+              <a:t>8</a:t>
+            </a:fld>
+            <a:r>
+              <a:rPr lang="en-US" altLang="ja-JP"/>
+              <a:t> / 25</a:t>
+            </a:r>
           </a:p>
         </p:txBody>
       </p:sp>
@@ -13680,48 +15754,6 @@
           <a:p>
             <a:pPr lvl="1"/>
             <a:endParaRPr kumimoji="1" lang="en-US" altLang="ja-JP"/>
-          </a:p>
-        </p:txBody>
-      </p:sp>
-      <p:sp>
-        <p:nvSpPr>
-          <p:cNvPr id="3" name="スライド番号プレースホルダー 2">
-            <a:extLst>
-              <a:ext uri="{FF2B5EF4-FFF2-40B4-BE49-F238E27FC236}">
-                <a16:creationId xmlns:a16="http://schemas.microsoft.com/office/drawing/2014/main" id="{DF1AB58C-920D-44D0-B602-F75ACDCA3920}"/>
-              </a:ext>
-            </a:extLst>
-          </p:cNvPr>
-          <p:cNvSpPr>
-            <a:spLocks noGrp="1"/>
-          </p:cNvSpPr>
-          <p:nvPr>
-            <p:ph type="sldNum" sz="quarter" idx="12"/>
-          </p:nvPr>
-        </p:nvSpPr>
-        <p:spPr/>
-        <p:txBody>
-          <a:bodyPr/>
-          <a:lstStyle/>
-          <a:p>
-            <a:pPr>
-              <a:defRPr/>
-            </a:pPr>
-            <a:r>
-              <a:rPr lang="en-US" altLang="ja-JP"/>
-              <a:t>    </a:t>
-            </a:r>
-            <a:fld id="{B2782DEB-472A-4FE5-AC34-C17109CF5A91}" type="slidenum">
-              <a:rPr lang="en-US" altLang="ja-JP" smtClean="0"/>
-              <a:pPr>
-                <a:defRPr/>
-              </a:pPr>
-              <a:t>9</a:t>
-            </a:fld>
-            <a:r>
-              <a:rPr lang="en-US" altLang="ja-JP"/>
-              <a:t> / 24</a:t>
-            </a:r>
           </a:p>
         </p:txBody>
       </p:sp>
@@ -14127,6 +16159,48 @@
           </a:graphicData>
         </a:graphic>
       </p:graphicFrame>
+      <p:sp>
+        <p:nvSpPr>
+          <p:cNvPr id="6" name="スライド番号プレースホルダー 5">
+            <a:extLst>
+              <a:ext uri="{FF2B5EF4-FFF2-40B4-BE49-F238E27FC236}">
+                <a16:creationId xmlns:a16="http://schemas.microsoft.com/office/drawing/2014/main" id="{206F8DBC-2221-44F5-8F08-C6327C96A04F}"/>
+              </a:ext>
+            </a:extLst>
+          </p:cNvPr>
+          <p:cNvSpPr>
+            <a:spLocks noGrp="1"/>
+          </p:cNvSpPr>
+          <p:nvPr>
+            <p:ph type="sldNum" sz="quarter" idx="12"/>
+          </p:nvPr>
+        </p:nvSpPr>
+        <p:spPr/>
+        <p:txBody>
+          <a:bodyPr/>
+          <a:lstStyle/>
+          <a:p>
+            <a:pPr>
+              <a:defRPr/>
+            </a:pPr>
+            <a:r>
+              <a:rPr lang="en-US" altLang="ja-JP"/>
+              <a:t>    </a:t>
+            </a:r>
+            <a:fld id="{B2782DEB-472A-4FE5-AC34-C17109CF5A91}" type="slidenum">
+              <a:rPr lang="en-US" altLang="ja-JP" smtClean="0"/>
+              <a:pPr>
+                <a:defRPr/>
+              </a:pPr>
+              <a:t>9</a:t>
+            </a:fld>
+            <a:r>
+              <a:rPr lang="en-US" altLang="ja-JP"/>
+              <a:t> / 25</a:t>
+            </a:r>
+          </a:p>
+        </p:txBody>
+      </p:sp>
     </p:spTree>
     <p:extLst>
       <p:ext uri="{BB962C8B-B14F-4D97-AF65-F5344CB8AC3E}">

--- a/lec/anninbon12.pptx
+++ b/lec/anninbon12.pptx
@@ -8988,8 +8988,8 @@
           <a:chExt cx="0" cy="0"/>
         </a:xfrm>
       </p:grpSpPr>
-      <mc:AlternateContent xmlns:mc="http://schemas.openxmlformats.org/markup-compatibility/2006">
-        <mc:Choice xmlns:a14="http://schemas.microsoft.com/office/drawing/2010/main" Requires="a14">
+      <mc:AlternateContent xmlns:mc="http://schemas.openxmlformats.org/markup-compatibility/2006" xmlns:a14="http://schemas.microsoft.com/office/drawing/2010/main">
+        <mc:Choice Requires="a14">
           <p:sp>
             <p:nvSpPr>
               <p:cNvPr id="2" name="コンテンツ プレースホルダー 1">
@@ -9341,7 +9341,7 @@
             </p:txBody>
           </p:sp>
         </mc:Choice>
-        <mc:Fallback>
+        <mc:Fallback xmlns="">
           <p:sp>
             <p:nvSpPr>
               <p:cNvPr id="2" name="コンテンツ プレースホルダー 1">
@@ -11244,8 +11244,8 @@
           </a:prstGeom>
         </p:spPr>
       </p:pic>
-      <mc:AlternateContent xmlns:mc="http://schemas.openxmlformats.org/markup-compatibility/2006">
-        <mc:Choice xmlns:a14="http://schemas.microsoft.com/office/drawing/2010/main" Requires="a14">
+      <mc:AlternateContent xmlns:mc="http://schemas.openxmlformats.org/markup-compatibility/2006" xmlns:a14="http://schemas.microsoft.com/office/drawing/2010/main">
+        <mc:Choice Requires="a14">
           <p:sp>
             <p:nvSpPr>
               <p:cNvPr id="2" name="コンテンツ プレースホルダー 1">
@@ -11474,7 +11474,7 @@
             </p:txBody>
           </p:sp>
         </mc:Choice>
-        <mc:Fallback>
+        <mc:Fallback xmlns="">
           <p:sp>
             <p:nvSpPr>
               <p:cNvPr id="2" name="コンテンツ プレースホルダー 1">
@@ -11681,7 +11681,7 @@
           <a:p>
             <a:r>
               <a:rPr kumimoji="1" lang="en-US" altLang="ja-JP"/>
-              <a:t>QKD(Quantum Key Distribtion)</a:t>
+              <a:t>QKD(Quantum Key Distribution)</a:t>
             </a:r>
           </a:p>
           <a:p>
@@ -12514,7 +12514,7 @@
         </p:blipFill>
         <p:spPr>
           <a:xfrm>
-            <a:off x="5364088" y="4437112"/>
+            <a:off x="5487657" y="3645024"/>
             <a:ext cx="3404823" cy="1861750"/>
           </a:xfrm>
           <a:prstGeom prst="rect">
@@ -12840,7 +12840,7 @@
                 </a14:m>
                 <a:r>
                   <a:rPr kumimoji="1" lang="ja-JP" altLang="en-US"/>
-                  <a:t>を一つ固定してその点を動かす</a:t>
+                  <a:t>の点を動かす</a:t>
                 </a:r>
                 <a:endParaRPr kumimoji="1" lang="en-US" altLang="ja-JP"/>
               </a:p>
@@ -12886,10 +12886,18 @@
               </a:p>
               <a:p>
                 <a:pPr lvl="1"/>
-                <a:endParaRPr kumimoji="1" lang="en-US" altLang="ja-JP"/>
-              </a:p>
-              <a:p>
-                <a:pPr lvl="1"/>
+                <a:r>
+                  <a:rPr kumimoji="1" lang="en-US" altLang="ja-JP"/>
+                  <a:t>DH</a:t>
+                </a:r>
+                <a:r>
+                  <a:rPr kumimoji="1" lang="ja-JP" altLang="en-US"/>
+                  <a:t>鍵共有の類似</a:t>
+                </a:r>
+                <a:endParaRPr lang="en-US" altLang="ja-JP"/>
+              </a:p>
+              <a:p>
+                <a:pPr lvl="2"/>
                 <a:r>
                   <a:rPr kumimoji="1" lang="ja-JP" altLang="en-US"/>
                   <a:t>耐量子暗号入門</a:t>
@@ -12900,18 +12908,7 @@
                 </a:r>
               </a:p>
               <a:p>
-                <a:pPr lvl="1"/>
-                <a:r>
-                  <a:rPr kumimoji="1" lang="en-US" altLang="ja-JP"/>
-                  <a:t>DH</a:t>
-                </a:r>
-                <a:r>
-                  <a:rPr kumimoji="1" lang="ja-JP" altLang="en-US"/>
-                  <a:t>鍵共有の類似</a:t>
-                </a:r>
-                <a:br>
-                  <a:rPr kumimoji="1" lang="en-US" altLang="ja-JP"/>
-                </a:br>
+                <a:pPr lvl="2"/>
                 <a:r>
                   <a:rPr kumimoji="1" lang="en-US" altLang="ja-JP">
                     <a:hlinkClick r:id="rId3"/>
@@ -12921,8 +12918,30 @@
                 <a:endParaRPr kumimoji="1" lang="en-US" altLang="ja-JP"/>
               </a:p>
               <a:p>
-                <a:pPr lvl="1"/>
-                <a:endParaRPr kumimoji="1" lang="ja-JP" altLang="en-US"/>
+                <a:r>
+                  <a:rPr kumimoji="1" lang="en-US" altLang="ja-JP"/>
+                  <a:t>『</a:t>
+                </a:r>
+                <a:r>
+                  <a:rPr kumimoji="1" lang="ja-JP" altLang="en-US"/>
+                  <a:t>数学セミナー</a:t>
+                </a:r>
+                <a:r>
+                  <a:rPr kumimoji="1" lang="en-US" altLang="ja-JP"/>
+                  <a:t>』2022</a:t>
+                </a:r>
+                <a:r>
+                  <a:rPr lang="en-US" altLang="ja-JP"/>
+                  <a:t>.1</a:t>
+                </a:r>
+                <a:r>
+                  <a:rPr lang="ja-JP" altLang="en-US"/>
+                  <a:t>が</a:t>
+                </a:r>
+                <a:r>
+                  <a:rPr kumimoji="1" lang="ja-JP" altLang="en-US"/>
+                  <a:t>量子計算理論の特集</a:t>
+                </a:r>
               </a:p>
             </p:txBody>
           </p:sp>
@@ -12948,7 +12967,7 @@
               <a:blipFill>
                 <a:blip r:embed="rId4"/>
                 <a:stretch>
-                  <a:fillRect l="-1200" t="-1142" b="-3427"/>
+                  <a:fillRect l="-1200" t="-1142" b="-6334"/>
                 </a:stretch>
               </a:blipFill>
             </p:spPr>
